--- a/fuentes/contenidos/grado11/guion03/CN_11_03_CO.docx.pptx
+++ b/fuentes/contenidos/grado11/guion03/CN_11_03_CO.docx.pptx
@@ -304,7 +304,7 @@
           <a:p>
             <a:fld id="{4BC4AC9F-D4BB-42A9-B543-2B0006DA69D7}" type="datetimeFigureOut">
               <a:rPr lang="es-CO" smtClean="0"/>
-              <a:t>11/08/2016</a:t>
+              <a:t>16/08/2016</a:t>
             </a:fld>
             <a:endParaRPr lang="es-CO"/>
           </a:p>
@@ -474,7 +474,7 @@
           <a:p>
             <a:fld id="{4BC4AC9F-D4BB-42A9-B543-2B0006DA69D7}" type="datetimeFigureOut">
               <a:rPr lang="es-CO" smtClean="0"/>
-              <a:t>11/08/2016</a:t>
+              <a:t>16/08/2016</a:t>
             </a:fld>
             <a:endParaRPr lang="es-CO"/>
           </a:p>
@@ -654,7 +654,7 @@
           <a:p>
             <a:fld id="{4BC4AC9F-D4BB-42A9-B543-2B0006DA69D7}" type="datetimeFigureOut">
               <a:rPr lang="es-CO" smtClean="0"/>
-              <a:t>11/08/2016</a:t>
+              <a:t>16/08/2016</a:t>
             </a:fld>
             <a:endParaRPr lang="es-CO"/>
           </a:p>
@@ -824,7 +824,7 @@
           <a:p>
             <a:fld id="{4BC4AC9F-D4BB-42A9-B543-2B0006DA69D7}" type="datetimeFigureOut">
               <a:rPr lang="es-CO" smtClean="0"/>
-              <a:t>11/08/2016</a:t>
+              <a:t>16/08/2016</a:t>
             </a:fld>
             <a:endParaRPr lang="es-CO"/>
           </a:p>
@@ -1070,7 +1070,7 @@
           <a:p>
             <a:fld id="{4BC4AC9F-D4BB-42A9-B543-2B0006DA69D7}" type="datetimeFigureOut">
               <a:rPr lang="es-CO" smtClean="0"/>
-              <a:t>11/08/2016</a:t>
+              <a:t>16/08/2016</a:t>
             </a:fld>
             <a:endParaRPr lang="es-CO"/>
           </a:p>
@@ -1358,7 +1358,7 @@
           <a:p>
             <a:fld id="{4BC4AC9F-D4BB-42A9-B543-2B0006DA69D7}" type="datetimeFigureOut">
               <a:rPr lang="es-CO" smtClean="0"/>
-              <a:t>11/08/2016</a:t>
+              <a:t>16/08/2016</a:t>
             </a:fld>
             <a:endParaRPr lang="es-CO"/>
           </a:p>
@@ -1780,7 +1780,7 @@
           <a:p>
             <a:fld id="{4BC4AC9F-D4BB-42A9-B543-2B0006DA69D7}" type="datetimeFigureOut">
               <a:rPr lang="es-CO" smtClean="0"/>
-              <a:t>11/08/2016</a:t>
+              <a:t>16/08/2016</a:t>
             </a:fld>
             <a:endParaRPr lang="es-CO"/>
           </a:p>
@@ -1898,7 +1898,7 @@
           <a:p>
             <a:fld id="{4BC4AC9F-D4BB-42A9-B543-2B0006DA69D7}" type="datetimeFigureOut">
               <a:rPr lang="es-CO" smtClean="0"/>
-              <a:t>11/08/2016</a:t>
+              <a:t>16/08/2016</a:t>
             </a:fld>
             <a:endParaRPr lang="es-CO"/>
           </a:p>
@@ -1993,7 +1993,7 @@
           <a:p>
             <a:fld id="{4BC4AC9F-D4BB-42A9-B543-2B0006DA69D7}" type="datetimeFigureOut">
               <a:rPr lang="es-CO" smtClean="0"/>
-              <a:t>11/08/2016</a:t>
+              <a:t>16/08/2016</a:t>
             </a:fld>
             <a:endParaRPr lang="es-CO"/>
           </a:p>
@@ -2270,7 +2270,7 @@
           <a:p>
             <a:fld id="{4BC4AC9F-D4BB-42A9-B543-2B0006DA69D7}" type="datetimeFigureOut">
               <a:rPr lang="es-CO" smtClean="0"/>
-              <a:t>11/08/2016</a:t>
+              <a:t>16/08/2016</a:t>
             </a:fld>
             <a:endParaRPr lang="es-CO"/>
           </a:p>
@@ -2523,7 +2523,7 @@
           <a:p>
             <a:fld id="{4BC4AC9F-D4BB-42A9-B543-2B0006DA69D7}" type="datetimeFigureOut">
               <a:rPr lang="es-CO" smtClean="0"/>
-              <a:t>11/08/2016</a:t>
+              <a:t>16/08/2016</a:t>
             </a:fld>
             <a:endParaRPr lang="es-CO"/>
           </a:p>
@@ -2736,7 +2736,7 @@
           <a:p>
             <a:fld id="{4BC4AC9F-D4BB-42A9-B543-2B0006DA69D7}" type="datetimeFigureOut">
               <a:rPr lang="es-CO" smtClean="0"/>
-              <a:t>11/08/2016</a:t>
+              <a:t>16/08/2016</a:t>
             </a:fld>
             <a:endParaRPr lang="es-CO"/>
           </a:p>
@@ -3258,7 +3258,7 @@
         <p:spPr>
           <a:xfrm>
             <a:off x="288132" y="2347397"/>
-            <a:ext cx="1616227" cy="923330"/>
+            <a:ext cx="1616227" cy="415498"/>
           </a:xfrm>
           <a:prstGeom prst="rect">
             <a:avLst/>
@@ -3278,7 +3278,7 @@
           <a:p>
             <a:pPr algn="ctr"/>
             <a:r>
-              <a:rPr lang="es-CO" sz="1800" dirty="0"/>
+              <a:rPr lang="es-CO" sz="1050" dirty="0"/>
               <a:t>Onda Longitudinal Mecánica</a:t>
             </a:r>
           </a:p>
@@ -3295,8 +3295,8 @@
         </p:nvCxnSpPr>
         <p:spPr>
           <a:xfrm>
-            <a:off x="1096244" y="5413603"/>
-            <a:ext cx="16359" cy="222121"/>
+            <a:off x="1081364" y="4007034"/>
+            <a:ext cx="35231" cy="83438"/>
           </a:xfrm>
           <a:prstGeom prst="straightConnector1">
             <a:avLst/>
@@ -3369,8 +3369,8 @@
         </p:nvSpPr>
         <p:spPr>
           <a:xfrm>
-            <a:off x="745100" y="5059660"/>
-            <a:ext cx="702288" cy="353943"/>
+            <a:off x="730220" y="3753118"/>
+            <a:ext cx="702288" cy="253916"/>
           </a:xfrm>
           <a:prstGeom prst="rect">
             <a:avLst/>
@@ -3385,7 +3385,7 @@
           <a:p>
             <a:pPr algn="ctr"/>
             <a:r>
-              <a:rPr lang="es-CO" sz="1700" dirty="0"/>
+              <a:rPr lang="es-CO" sz="1050" dirty="0"/>
               <a:t>con</a:t>
             </a:r>
           </a:p>
@@ -3402,8 +3402,8 @@
         </p:nvCxnSpPr>
         <p:spPr>
           <a:xfrm flipH="1">
-            <a:off x="1096244" y="4964171"/>
-            <a:ext cx="2" cy="95489"/>
+            <a:off x="1081364" y="3629533"/>
+            <a:ext cx="1" cy="123585"/>
           </a:xfrm>
           <a:prstGeom prst="line">
             <a:avLst/>
@@ -3437,8 +3437,8 @@
         </p:nvSpPr>
         <p:spPr>
           <a:xfrm>
-            <a:off x="334404" y="3638517"/>
-            <a:ext cx="1523681" cy="353943"/>
+            <a:off x="334404" y="2918534"/>
+            <a:ext cx="1523681" cy="253916"/>
           </a:xfrm>
           <a:prstGeom prst="rect">
             <a:avLst/>
@@ -3453,7 +3453,7 @@
           <a:p>
             <a:pPr algn="ctr"/>
             <a:r>
-              <a:rPr lang="es-CO" sz="1700" dirty="0"/>
+              <a:rPr lang="es-CO" sz="1050" dirty="0"/>
               <a:t>Se propaga en</a:t>
             </a:r>
           </a:p>
@@ -3470,8 +3470,8 @@
         </p:nvCxnSpPr>
         <p:spPr>
           <a:xfrm flipH="1">
-            <a:off x="1096245" y="3270727"/>
-            <a:ext cx="1" cy="367790"/>
+            <a:off x="1096245" y="2762895"/>
+            <a:ext cx="1" cy="155639"/>
           </a:xfrm>
           <a:prstGeom prst="line">
             <a:avLst/>
@@ -3507,9 +3507,9 @@
           <p:nvPr/>
         </p:nvCxnSpPr>
         <p:spPr>
-          <a:xfrm>
-            <a:off x="1096245" y="3992460"/>
-            <a:ext cx="1" cy="325380"/>
+          <a:xfrm flipH="1">
+            <a:off x="1081365" y="3172450"/>
+            <a:ext cx="14880" cy="203167"/>
           </a:xfrm>
           <a:prstGeom prst="straightConnector1">
             <a:avLst/>
@@ -3544,8 +3544,8 @@
         </p:nvSpPr>
         <p:spPr>
           <a:xfrm>
-            <a:off x="288132" y="4317840"/>
-            <a:ext cx="1616227" cy="646331"/>
+            <a:off x="273251" y="3375617"/>
+            <a:ext cx="1616227" cy="253916"/>
           </a:xfrm>
           <a:prstGeom prst="rect">
             <a:avLst/>
@@ -3565,7 +3565,7 @@
           <a:p>
             <a:pPr algn="ctr"/>
             <a:r>
-              <a:rPr lang="es-CO" sz="1800" dirty="0"/>
+              <a:rPr lang="es-CO" sz="1050" dirty="0"/>
               <a:t>Medios elásticos</a:t>
             </a:r>
           </a:p>
@@ -3579,13 +3579,15 @@
         </p:nvSpPr>
         <p:spPr>
           <a:xfrm>
-            <a:off x="64865" y="5635724"/>
-            <a:ext cx="2095476" cy="1200329"/>
+            <a:off x="68857" y="4090472"/>
+            <a:ext cx="2095476" cy="577081"/>
           </a:xfrm>
           <a:prstGeom prst="rect">
             <a:avLst/>
           </a:prstGeom>
-          <a:noFill/>
+          <a:solidFill>
+            <a:schemeClr val="accent2"/>
+          </a:solidFill>
           <a:ln>
             <a:solidFill>
               <a:schemeClr val="tx1"/>
@@ -3599,8 +3601,8 @@
           <a:lstStyle/>
           <a:p>
             <a:r>
-              <a:rPr lang="es-CO" sz="1800" dirty="0"/>
-              <a:t>Mayor velocidad de propagación en sólido, luego líquido y luego gaseosos.</a:t>
+              <a:rPr lang="es-CO" sz="1050" dirty="0"/>
+              <a:t>Mayor velocidad de propagación en sólidos, líquidos y después en medios gaseosos.</a:t>
             </a:r>
           </a:p>
         </p:txBody>
@@ -3652,7 +3654,7 @@
         <p:spPr>
           <a:xfrm>
             <a:off x="745102" y="1709982"/>
-            <a:ext cx="702288" cy="353943"/>
+            <a:ext cx="702288" cy="253916"/>
           </a:xfrm>
           <a:prstGeom prst="rect">
             <a:avLst/>
@@ -3667,7 +3669,7 @@
           <a:p>
             <a:pPr algn="ctr"/>
             <a:r>
-              <a:rPr lang="es-CO" sz="1700" dirty="0"/>
+              <a:rPr lang="es-CO" sz="1050" dirty="0"/>
               <a:t>es</a:t>
             </a:r>
           </a:p>
@@ -3684,8 +3686,8 @@
         </p:nvCxnSpPr>
         <p:spPr>
           <a:xfrm>
-            <a:off x="1096246" y="2063925"/>
-            <a:ext cx="0" cy="283472"/>
+            <a:off x="1096246" y="1963898"/>
+            <a:ext cx="0" cy="383499"/>
           </a:xfrm>
           <a:prstGeom prst="straightConnector1">
             <a:avLst/>
@@ -3721,7 +3723,7 @@
         <p:spPr>
           <a:xfrm>
             <a:off x="2592388" y="1753389"/>
-            <a:ext cx="702288" cy="353943"/>
+            <a:ext cx="702288" cy="253916"/>
           </a:xfrm>
           <a:prstGeom prst="rect">
             <a:avLst/>
@@ -3736,7 +3738,7 @@
           <a:p>
             <a:pPr algn="ctr"/>
             <a:r>
-              <a:rPr lang="es-CO" sz="1700" dirty="0"/>
+              <a:rPr lang="es-CO" sz="1050" dirty="0"/>
               <a:t>sus</a:t>
             </a:r>
           </a:p>
@@ -3751,7 +3753,7 @@
         <p:spPr>
           <a:xfrm>
             <a:off x="2304356" y="2329432"/>
-            <a:ext cx="1240363" cy="369332"/>
+            <a:ext cx="1240363" cy="253916"/>
           </a:xfrm>
           <a:prstGeom prst="rect">
             <a:avLst/>
@@ -3771,7 +3773,7 @@
           <a:p>
             <a:pPr algn="ctr"/>
             <a:r>
-              <a:rPr lang="es-CO" sz="1800" dirty="0"/>
+              <a:rPr lang="es-CO" sz="1050" dirty="0"/>
               <a:t>Cualidades</a:t>
             </a:r>
           </a:p>
@@ -3785,8 +3787,8 @@
         </p:nvSpPr>
         <p:spPr>
           <a:xfrm>
-            <a:off x="2376364" y="2833509"/>
-            <a:ext cx="521848" cy="353943"/>
+            <a:off x="2278902" y="2635937"/>
+            <a:ext cx="521848" cy="253916"/>
           </a:xfrm>
           <a:prstGeom prst="rect">
             <a:avLst/>
@@ -3801,7 +3803,7 @@
           <a:p>
             <a:pPr algn="ctr"/>
             <a:r>
-              <a:rPr lang="es-CO" sz="1700" dirty="0"/>
+              <a:rPr lang="es-CO" sz="1050" dirty="0"/>
               <a:t>son</a:t>
             </a:r>
           </a:p>
@@ -3815,8 +3817,8 @@
         </p:nvSpPr>
         <p:spPr>
           <a:xfrm>
-            <a:off x="2880420" y="3233843"/>
-            <a:ext cx="1519266" cy="646331"/>
+            <a:off x="2660386" y="3177456"/>
+            <a:ext cx="1116124" cy="253916"/>
           </a:xfrm>
           <a:prstGeom prst="rect">
             <a:avLst/>
@@ -3836,15 +3838,8 @@
           <a:p>
             <a:pPr algn="ctr"/>
             <a:r>
-              <a:rPr lang="es-CO" sz="1800" dirty="0"/>
+              <a:rPr lang="es-CO" sz="1050" dirty="0"/>
               <a:t>Intensidad</a:t>
-            </a:r>
-            <a:br>
-              <a:rPr lang="es-CO" sz="1800" dirty="0"/>
-            </a:br>
-            <a:r>
-              <a:rPr lang="es-CO" sz="1800" dirty="0"/>
-              <a:t>(Amplitud)</a:t>
             </a:r>
           </a:p>
         </p:txBody>
@@ -3857,13 +3852,15 @@
         </p:nvSpPr>
         <p:spPr>
           <a:xfrm>
-            <a:off x="2880420" y="4123556"/>
-            <a:ext cx="1519266" cy="646331"/>
+            <a:off x="2770465" y="5516098"/>
+            <a:ext cx="970263" cy="253916"/>
           </a:xfrm>
           <a:prstGeom prst="rect">
             <a:avLst/>
           </a:prstGeom>
-          <a:noFill/>
+          <a:solidFill>
+            <a:schemeClr val="accent2"/>
+          </a:solidFill>
           <a:ln>
             <a:solidFill>
               <a:schemeClr val="tx1"/>
@@ -3878,15 +3875,8 @@
           <a:p>
             <a:pPr algn="ctr"/>
             <a:r>
-              <a:rPr lang="es-CO" sz="1800" dirty="0"/>
+              <a:rPr lang="es-CO" sz="1050" dirty="0"/>
               <a:t>Tono</a:t>
-            </a:r>
-            <a:br>
-              <a:rPr lang="es-CO" sz="1800" dirty="0"/>
-            </a:br>
-            <a:r>
-              <a:rPr lang="es-CO" sz="1800" dirty="0"/>
-              <a:t>(frecuencia)</a:t>
             </a:r>
           </a:p>
         </p:txBody>
@@ -3899,13 +3889,15 @@
         </p:nvSpPr>
         <p:spPr>
           <a:xfrm>
-            <a:off x="2880420" y="5131668"/>
-            <a:ext cx="1512168" cy="646331"/>
+            <a:off x="2880420" y="6444362"/>
+            <a:ext cx="864096" cy="253916"/>
           </a:xfrm>
           <a:prstGeom prst="rect">
             <a:avLst/>
           </a:prstGeom>
-          <a:noFill/>
+          <a:solidFill>
+            <a:schemeClr val="accent2"/>
+          </a:solidFill>
           <a:ln>
             <a:solidFill>
               <a:schemeClr val="tx1"/>
@@ -3920,15 +3912,8 @@
           <a:p>
             <a:pPr algn="ctr"/>
             <a:r>
-              <a:rPr lang="es-CO" sz="1800" dirty="0"/>
+              <a:rPr lang="es-CO" sz="1050" dirty="0"/>
               <a:t>Timbre</a:t>
-            </a:r>
-            <a:br>
-              <a:rPr lang="es-CO" sz="1800" dirty="0"/>
-            </a:br>
-            <a:r>
-              <a:rPr lang="es-CO" sz="1800" dirty="0"/>
-              <a:t>(Armónicos)</a:t>
             </a:r>
           </a:p>
         </p:txBody>
@@ -3982,8 +3967,8 @@
         </p:nvCxnSpPr>
         <p:spPr>
           <a:xfrm flipH="1">
-            <a:off x="2924538" y="2107332"/>
-            <a:ext cx="18994" cy="222100"/>
+            <a:off x="2924538" y="2007305"/>
+            <a:ext cx="18994" cy="322127"/>
           </a:xfrm>
           <a:prstGeom prst="straightConnector1">
             <a:avLst/>
@@ -4020,13 +4005,13 @@
           <p:nvPr/>
         </p:nvCxnSpPr>
         <p:spPr>
-          <a:xfrm rot="10800000" flipH="1" flipV="1">
-            <a:off x="2304356" y="2514097"/>
-            <a:ext cx="72008" cy="496383"/>
+          <a:xfrm rot="10800000" flipV="1">
+            <a:off x="2278902" y="2456389"/>
+            <a:ext cx="25454" cy="306505"/>
           </a:xfrm>
           <a:prstGeom prst="bentConnector3">
             <a:avLst>
-              <a:gd name="adj1" fmla="val -317465"/>
+              <a:gd name="adj1" fmla="val 998091"/>
             </a:avLst>
           </a:prstGeom>
           <a:ln>
@@ -4055,18 +4040,20 @@
         <p:nvCxnSpPr>
           <p:cNvPr id="265" name="264 Conector angular"/>
           <p:cNvCxnSpPr>
-            <a:stCxn id="106" idx="3"/>
+            <a:stCxn id="106" idx="2"/>
             <a:endCxn id="107" idx="0"/>
           </p:cNvCxnSpPr>
           <p:nvPr/>
         </p:nvCxnSpPr>
         <p:spPr>
-          <a:xfrm>
-            <a:off x="2898212" y="3010481"/>
-            <a:ext cx="741841" cy="223362"/>
-          </a:xfrm>
-          <a:prstGeom prst="bentConnector2">
-            <a:avLst/>
+          <a:xfrm rot="16200000" flipH="1">
+            <a:off x="2735336" y="2694343"/>
+            <a:ext cx="287603" cy="678622"/>
+          </a:xfrm>
+          <a:prstGeom prst="bentConnector3">
+            <a:avLst>
+              <a:gd name="adj1" fmla="val 50000"/>
+            </a:avLst>
           </a:prstGeom>
           <a:ln>
             <a:solidFill>
@@ -4101,8 +4088,8 @@
         </p:nvCxnSpPr>
         <p:spPr>
           <a:xfrm rot="16200000" flipH="1">
-            <a:off x="2129219" y="3695521"/>
-            <a:ext cx="1259270" cy="243132"/>
+            <a:off x="1278544" y="4151134"/>
+            <a:ext cx="2753203" cy="230639"/>
           </a:xfrm>
           <a:prstGeom prst="bentConnector2">
             <a:avLst/>
@@ -4133,15 +4120,14 @@
         <p:nvCxnSpPr>
           <p:cNvPr id="270" name="269 Conector angular"/>
           <p:cNvCxnSpPr>
-            <a:stCxn id="106" idx="2"/>
             <a:endCxn id="109" idx="1"/>
           </p:cNvCxnSpPr>
           <p:nvPr/>
         </p:nvCxnSpPr>
         <p:spPr>
           <a:xfrm rot="16200000" flipH="1">
-            <a:off x="1625163" y="4199577"/>
-            <a:ext cx="2267382" cy="243132"/>
+            <a:off x="1503239" y="5194138"/>
+            <a:ext cx="2413829" cy="340534"/>
           </a:xfrm>
           <a:prstGeom prst="bentConnector2">
             <a:avLst/>
@@ -4177,7 +4163,7 @@
         <p:spPr>
           <a:xfrm>
             <a:off x="4824636" y="2309698"/>
-            <a:ext cx="1008112" cy="369332"/>
+            <a:ext cx="1008112" cy="253916"/>
           </a:xfrm>
           <a:prstGeom prst="rect">
             <a:avLst/>
@@ -4197,7 +4183,7 @@
           <a:p>
             <a:pPr algn="ctr"/>
             <a:r>
-              <a:rPr lang="es-CO" sz="1800" dirty="0"/>
+              <a:rPr lang="es-CO" sz="1050" dirty="0"/>
               <a:t>Efectos</a:t>
             </a:r>
           </a:p>
@@ -4250,13 +4236,15 @@
         </p:nvSpPr>
         <p:spPr>
           <a:xfrm>
-            <a:off x="5256684" y="3331468"/>
-            <a:ext cx="2664296" cy="646331"/>
+            <a:off x="4732424" y="3337620"/>
+            <a:ext cx="1394174" cy="253916"/>
           </a:xfrm>
           <a:prstGeom prst="rect">
             <a:avLst/>
           </a:prstGeom>
-          <a:noFill/>
+          <a:solidFill>
+            <a:schemeClr val="accent2"/>
+          </a:solidFill>
           <a:ln>
             <a:solidFill>
               <a:schemeClr val="tx1"/>
@@ -4269,26 +4257,12 @@
           </a:bodyPr>
           <a:lstStyle/>
           <a:p>
-            <a:pPr marL="285750" indent="-285750" algn="just">
-              <a:buFont typeface="Arial" panose="020B0604020202020204" pitchFamily="34" charset="0"/>
-              <a:buChar char="•"/>
-            </a:pPr>
-            <a:r>
-              <a:rPr lang="es-CO" sz="1800" b="1" dirty="0"/>
-              <a:t>Efecto Doppler</a:t>
-            </a:r>
-            <a:endParaRPr lang="es-CO" sz="1800" dirty="0"/>
-          </a:p>
-          <a:p>
-            <a:pPr marL="285750" indent="-285750" algn="just">
-              <a:buFont typeface="Arial" panose="020B0604020202020204" pitchFamily="34" charset="0"/>
-              <a:buChar char="•"/>
-            </a:pPr>
-            <a:r>
-              <a:rPr lang="es-CO" sz="1800" b="1" dirty="0"/>
-              <a:t>Onda de choque</a:t>
-            </a:r>
-            <a:endParaRPr lang="es-CO" sz="1800" dirty="0"/>
+            <a:pPr algn="ctr"/>
+            <a:r>
+              <a:rPr lang="es-CO" sz="1050" b="1" dirty="0"/>
+              <a:t>onda de choque</a:t>
+            </a:r>
+            <a:endParaRPr lang="es-CO" sz="1050" dirty="0"/>
           </a:p>
         </p:txBody>
       </p:sp>
@@ -4301,7 +4275,7 @@
         <p:spPr>
           <a:xfrm>
             <a:off x="4806844" y="2899420"/>
-            <a:ext cx="521848" cy="353943"/>
+            <a:ext cx="521848" cy="253916"/>
           </a:xfrm>
           <a:prstGeom prst="rect">
             <a:avLst/>
@@ -4316,7 +4290,7 @@
           <a:p>
             <a:pPr algn="ctr"/>
             <a:r>
-              <a:rPr lang="es-CO" sz="1700" dirty="0"/>
+              <a:rPr lang="es-CO" sz="1050" dirty="0"/>
               <a:t>son</a:t>
             </a:r>
           </a:p>
@@ -4326,18 +4300,21 @@
         <p:nvCxnSpPr>
           <p:cNvPr id="295" name="294 Conector angular"/>
           <p:cNvCxnSpPr>
-            <a:stCxn id="149" idx="3"/>
-            <a:endCxn id="148" idx="0"/>
+            <a:stCxn id="149" idx="2"/>
+            <a:endCxn id="148" idx="1"/>
           </p:cNvCxnSpPr>
           <p:nvPr/>
         </p:nvCxnSpPr>
         <p:spPr>
-          <a:xfrm>
-            <a:off x="5328692" y="3076392"/>
-            <a:ext cx="1260140" cy="255076"/>
-          </a:xfrm>
-          <a:prstGeom prst="bentConnector2">
-            <a:avLst/>
+          <a:xfrm rot="5400000">
+            <a:off x="4744475" y="3141285"/>
+            <a:ext cx="311242" cy="335344"/>
+          </a:xfrm>
+          <a:prstGeom prst="bentConnector4">
+            <a:avLst>
+              <a:gd name="adj1" fmla="val 29605"/>
+              <a:gd name="adj2" fmla="val 168169"/>
+            </a:avLst>
           </a:prstGeom>
           <a:ln>
             <a:solidFill>
@@ -4365,19 +4342,19 @@
         <p:nvCxnSpPr>
           <p:cNvPr id="297" name="296 Conector angular"/>
           <p:cNvCxnSpPr>
-            <a:stCxn id="127" idx="1"/>
-            <a:endCxn id="149" idx="1"/>
+            <a:stCxn id="127" idx="2"/>
+            <a:endCxn id="149" idx="0"/>
           </p:cNvCxnSpPr>
           <p:nvPr/>
         </p:nvCxnSpPr>
         <p:spPr>
-          <a:xfrm rot="10800000" flipV="1">
-            <a:off x="4806844" y="2494364"/>
-            <a:ext cx="17792" cy="582028"/>
+          <a:xfrm rot="5400000">
+            <a:off x="5030327" y="2601055"/>
+            <a:ext cx="335806" cy="260924"/>
           </a:xfrm>
           <a:prstGeom prst="bentConnector3">
             <a:avLst>
-              <a:gd name="adj1" fmla="val 847898"/>
+              <a:gd name="adj1" fmla="val 50000"/>
             </a:avLst>
           </a:prstGeom>
           <a:ln>
@@ -4444,7 +4421,7 @@
         </p:nvSpPr>
         <p:spPr>
           <a:xfrm>
-            <a:off x="9602470" y="1747292"/>
+            <a:off x="12502877" y="1747292"/>
             <a:ext cx="702288" cy="353943"/>
           </a:xfrm>
           <a:prstGeom prst="rect">
@@ -4474,7 +4451,7 @@
         </p:nvSpPr>
         <p:spPr>
           <a:xfrm>
-            <a:off x="9186864" y="3142347"/>
+            <a:off x="12087271" y="3142347"/>
             <a:ext cx="1523681" cy="353943"/>
           </a:xfrm>
           <a:prstGeom prst="rect">
@@ -4507,7 +4484,7 @@
         </p:nvCxnSpPr>
         <p:spPr>
           <a:xfrm flipH="1">
-            <a:off x="9948704" y="3496290"/>
+            <a:off x="12849111" y="3496290"/>
             <a:ext cx="1" cy="282046"/>
           </a:xfrm>
           <a:prstGeom prst="straightConnector1">
@@ -4543,7 +4520,7 @@
         </p:nvSpPr>
         <p:spPr>
           <a:xfrm>
-            <a:off x="9247683" y="3778336"/>
+            <a:off x="12148090" y="3778336"/>
             <a:ext cx="1402041" cy="646331"/>
           </a:xfrm>
           <a:prstGeom prst="rect">
@@ -4578,7 +4555,7 @@
         </p:nvSpPr>
         <p:spPr>
           <a:xfrm>
-            <a:off x="8837490" y="2304772"/>
+            <a:off x="11737897" y="2304772"/>
             <a:ext cx="2232248" cy="646331"/>
           </a:xfrm>
           <a:prstGeom prst="rect">
@@ -4631,7 +4608,7 @@
         </p:nvCxnSpPr>
         <p:spPr>
           <a:xfrm>
-            <a:off x="9953614" y="2101235"/>
+            <a:off x="12854021" y="2101235"/>
             <a:ext cx="0" cy="203537"/>
           </a:xfrm>
           <a:prstGeom prst="straightConnector1">
@@ -4670,7 +4647,7 @@
         </p:nvCxnSpPr>
         <p:spPr>
           <a:xfrm flipH="1">
-            <a:off x="9948705" y="2951103"/>
+            <a:off x="12849112" y="2951103"/>
             <a:ext cx="4909" cy="191244"/>
           </a:xfrm>
           <a:prstGeom prst="line">
@@ -4705,7 +4682,7 @@
         </p:nvSpPr>
         <p:spPr>
           <a:xfrm>
-            <a:off x="9640764" y="4330288"/>
+            <a:off x="12541171" y="4330288"/>
             <a:ext cx="615878" cy="353943"/>
           </a:xfrm>
           <a:prstGeom prst="rect">
@@ -4738,7 +4715,7 @@
         </p:nvCxnSpPr>
         <p:spPr>
           <a:xfrm>
-            <a:off x="9948703" y="4684231"/>
+            <a:off x="12849110" y="4684231"/>
             <a:ext cx="3443" cy="222121"/>
           </a:xfrm>
           <a:prstGeom prst="straightConnector1">
@@ -4777,7 +4754,7 @@
         </p:nvCxnSpPr>
         <p:spPr>
           <a:xfrm flipH="1" flipV="1">
-            <a:off x="9948703" y="4330288"/>
+            <a:off x="12849110" y="4330288"/>
             <a:ext cx="1" cy="94379"/>
           </a:xfrm>
           <a:prstGeom prst="line">
@@ -4804,8 +4781,8 @@
           </a:fontRef>
         </p:style>
       </p:cxnSp>
-      <mc:AlternateContent xmlns:mc="http://schemas.openxmlformats.org/markup-compatibility/2006" xmlns:a14="http://schemas.microsoft.com/office/drawing/2010/main">
-        <mc:Choice Requires="a14">
+      <mc:AlternateContent xmlns:mc="http://schemas.openxmlformats.org/markup-compatibility/2006">
+        <mc:Choice xmlns:a14="http://schemas.microsoft.com/office/drawing/2010/main" Requires="a14">
           <p:sp>
             <p:nvSpPr>
               <p:cNvPr id="357" name="356 CuadroTexto"/>
@@ -4814,13 +4791,15 @@
             </p:nvSpPr>
             <p:spPr>
               <a:xfrm>
-                <a:off x="8834552" y="4906352"/>
+                <a:off x="11734959" y="4906352"/>
                 <a:ext cx="2235187" cy="669992"/>
               </a:xfrm>
               <a:prstGeom prst="rect">
                 <a:avLst/>
               </a:prstGeom>
-              <a:noFill/>
+              <a:solidFill>
+                <a:schemeClr val="accent2"/>
+              </a:solidFill>
               <a:ln>
                 <a:solidFill>
                   <a:schemeClr val="tx1"/>
@@ -4859,62 +4838,22 @@
                         <a:rPr lang="es-CO" sz="1800" b="0" i="1" smtClean="0">
                           <a:latin typeface="Cambria Math"/>
                         </a:rPr>
-                        <m:t>3 </m:t>
+                        <m:t>3</m:t>
+                      </m:r>
+                      <m:r>
+                        <a:rPr lang="es-CO" sz="1800" b="0" i="0" smtClean="0">
+                          <a:latin typeface="Cambria Math" panose="02040503050406030204" pitchFamily="18" charset="0"/>
+                        </a:rPr>
+                        <m:t>00 000 </m:t>
                       </m:r>
                       <m:r>
                         <m:rPr>
                           <m:sty m:val="p"/>
                         </m:rPr>
                         <a:rPr lang="es-CO" sz="1800" b="0" i="0" smtClean="0">
-                          <a:latin typeface="Cambria Math"/>
+                          <a:latin typeface="Cambria Math" panose="02040503050406030204" pitchFamily="18" charset="0"/>
                         </a:rPr>
-                        <m:t>x</m:t>
-                      </m:r>
-                      <m:r>
-                        <a:rPr lang="es-CO" sz="1800" b="0" i="0" smtClean="0">
-                          <a:latin typeface="Cambria Math"/>
-                        </a:rPr>
-                        <m:t> </m:t>
-                      </m:r>
-                      <m:sSup>
-                        <m:sSupPr>
-                          <m:ctrlPr>
-                            <a:rPr lang="es-CO" sz="1800" b="0" i="1" smtClean="0">
-                              <a:latin typeface="Cambria Math" panose="02040503050406030204" pitchFamily="18" charset="0"/>
-                            </a:rPr>
-                          </m:ctrlPr>
-                        </m:sSupPr>
-                        <m:e>
-                          <m:r>
-                            <a:rPr lang="es-CO" sz="1800" b="0" i="1" smtClean="0">
-                              <a:latin typeface="Cambria Math"/>
-                            </a:rPr>
-                            <m:t>10</m:t>
-                          </m:r>
-                        </m:e>
-                        <m:sup>
-                          <m:r>
-                            <a:rPr lang="es-CO" sz="1800" b="0" i="1" smtClean="0">
-                              <a:latin typeface="Cambria Math"/>
-                            </a:rPr>
-                            <m:t>8</m:t>
-                          </m:r>
-                        </m:sup>
-                      </m:sSup>
-                      <m:r>
-                        <a:rPr lang="es-CO" sz="1800" b="0" i="0" smtClean="0">
-                          <a:latin typeface="Cambria Math"/>
-                        </a:rPr>
-                        <m:t> </m:t>
-                      </m:r>
-                      <m:r>
-                        <m:rPr>
-                          <m:sty m:val="p"/>
-                        </m:rPr>
-                        <a:rPr lang="es-CO" sz="1800" b="0" i="0" smtClean="0">
-                          <a:latin typeface="Cambria Math"/>
-                        </a:rPr>
-                        <m:t>m</m:t>
+                        <m:t>km</m:t>
                       </m:r>
                       <m:r>
                         <a:rPr lang="es-CO" sz="1800" b="0" i="0" smtClean="0">
@@ -4939,7 +4878,7 @@
             </p:txBody>
           </p:sp>
         </mc:Choice>
-        <mc:Fallback xmlns="">
+        <mc:Fallback>
           <p:sp>
             <p:nvSpPr>
               <p:cNvPr id="357" name="356 CuadroTexto"/>
@@ -4950,16 +4889,16 @@
             </p:nvSpPr>
             <p:spPr>
               <a:xfrm>
-                <a:off x="8834552" y="4906352"/>
+                <a:off x="11734959" y="4906352"/>
                 <a:ext cx="2235187" cy="669992"/>
               </a:xfrm>
               <a:prstGeom prst="rect">
                 <a:avLst/>
               </a:prstGeom>
-              <a:blipFill rotWithShape="1">
+              <a:blipFill>
                 <a:blip r:embed="rId2"/>
                 <a:stretch>
-                  <a:fillRect l="-1355" t="-3571" r="-1084" b="-1786"/>
+                  <a:fillRect l="-1355" t="-4464" r="-1084" b="-1786"/>
                 </a:stretch>
               </a:blipFill>
               <a:ln>
@@ -4994,7 +4933,7 @@
         </p:nvCxnSpPr>
         <p:spPr>
           <a:xfrm>
-            <a:off x="9952146" y="5576344"/>
+            <a:off x="12852553" y="5576344"/>
             <a:ext cx="1468" cy="194104"/>
           </a:xfrm>
           <a:prstGeom prst="line">
@@ -5029,13 +4968,15 @@
         </p:nvSpPr>
         <p:spPr>
           <a:xfrm>
-            <a:off x="9024711" y="5770448"/>
+            <a:off x="11925118" y="5770448"/>
             <a:ext cx="1857806" cy="353943"/>
           </a:xfrm>
           <a:prstGeom prst="rect">
             <a:avLst/>
           </a:prstGeom>
-          <a:noFill/>
+          <a:solidFill>
+            <a:schemeClr val="accent2"/>
+          </a:solidFill>
         </p:spPr>
         <p:txBody>
           <a:bodyPr wrap="square" rtlCol="0">
@@ -5046,7 +4987,7 @@
             <a:pPr algn="ctr"/>
             <a:r>
               <a:rPr lang="es-CO" sz="1700" dirty="0"/>
-              <a:t>Un medida en la </a:t>
+              <a:t>hallado en la </a:t>
             </a:r>
           </a:p>
         </p:txBody>
@@ -5059,13 +5000,15 @@
         </p:nvSpPr>
         <p:spPr>
           <a:xfrm>
-            <a:off x="8765974" y="6274504"/>
+            <a:off x="11666381" y="6274504"/>
             <a:ext cx="2375279" cy="369332"/>
           </a:xfrm>
           <a:prstGeom prst="rect">
             <a:avLst/>
           </a:prstGeom>
-          <a:noFill/>
+          <a:solidFill>
+            <a:schemeClr val="accent2"/>
+          </a:solidFill>
           <a:ln>
             <a:solidFill>
               <a:schemeClr val="tx1"/>
@@ -5085,7 +5028,7 @@
             </a:r>
             <a:r>
               <a:rPr lang="es-CO" sz="1800" b="1" dirty="0" err="1"/>
-              <a:t>Fezeau</a:t>
+              <a:t>Fizeau</a:t>
             </a:r>
             <a:endParaRPr lang="es-CO" sz="1800" b="1" dirty="0"/>
           </a:p>
@@ -5102,7 +5045,7 @@
         </p:nvCxnSpPr>
         <p:spPr>
           <a:xfrm>
-            <a:off x="9953614" y="6124391"/>
+            <a:off x="12854021" y="6124391"/>
             <a:ext cx="0" cy="150113"/>
           </a:xfrm>
           <a:prstGeom prst="straightConnector1">
@@ -5142,7 +5085,7 @@
         <p:spPr>
           <a:xfrm>
             <a:off x="9948702" y="1598539"/>
-            <a:ext cx="4912" cy="148753"/>
+            <a:ext cx="2905319" cy="148753"/>
           </a:xfrm>
           <a:prstGeom prst="line">
             <a:avLst/>
@@ -5168,6 +5111,2210 @@
           </a:fontRef>
         </p:style>
       </p:cxnSp>
+      <p:sp>
+        <p:nvSpPr>
+          <p:cNvPr id="54" name="210 CuadroTexto"/>
+          <p:cNvSpPr txBox="1"/>
+          <p:nvPr/>
+        </p:nvSpPr>
+        <p:spPr>
+          <a:xfrm>
+            <a:off x="9078544" y="1675284"/>
+            <a:ext cx="1677364" cy="353943"/>
+          </a:xfrm>
+          <a:prstGeom prst="rect">
+            <a:avLst/>
+          </a:prstGeom>
+          <a:solidFill>
+            <a:schemeClr val="accent2"/>
+          </a:solidFill>
+        </p:spPr>
+        <p:txBody>
+          <a:bodyPr wrap="square" rtlCol="0">
+            <a:spAutoFit/>
+          </a:bodyPr>
+          <a:lstStyle/>
+          <a:p>
+            <a:pPr algn="ctr"/>
+            <a:r>
+              <a:rPr lang="es-CO" sz="1700" dirty="0"/>
+              <a:t>Sus teorías son</a:t>
+            </a:r>
+          </a:p>
+        </p:txBody>
+      </p:sp>
+      <p:sp>
+        <p:nvSpPr>
+          <p:cNvPr id="59" name="226 CuadroTexto"/>
+          <p:cNvSpPr txBox="1"/>
+          <p:nvPr/>
+        </p:nvSpPr>
+        <p:spPr>
+          <a:xfrm>
+            <a:off x="8900336" y="2295255"/>
+            <a:ext cx="2232248" cy="261610"/>
+          </a:xfrm>
+          <a:prstGeom prst="rect">
+            <a:avLst/>
+          </a:prstGeom>
+          <a:solidFill>
+            <a:schemeClr val="accent2"/>
+          </a:solidFill>
+          <a:ln>
+            <a:solidFill>
+              <a:schemeClr val="tx1"/>
+            </a:solidFill>
+          </a:ln>
+        </p:spPr>
+        <p:txBody>
+          <a:bodyPr wrap="square" rtlCol="0">
+            <a:spAutoFit/>
+          </a:bodyPr>
+          <a:lstStyle/>
+          <a:p>
+            <a:pPr algn="ctr"/>
+            <a:r>
+              <a:rPr lang="es-CO" sz="1100" b="1" dirty="0"/>
+              <a:t>Teoría corpuscular por Newton</a:t>
+            </a:r>
+            <a:r>
+              <a:rPr lang="es-CO" sz="1100" dirty="0"/>
+              <a:t> </a:t>
+            </a:r>
+          </a:p>
+        </p:txBody>
+      </p:sp>
+      <p:sp>
+        <p:nvSpPr>
+          <p:cNvPr id="76" name="226 CuadroTexto"/>
+          <p:cNvSpPr txBox="1"/>
+          <p:nvPr/>
+        </p:nvSpPr>
+        <p:spPr>
+          <a:xfrm>
+            <a:off x="8925632" y="2665317"/>
+            <a:ext cx="2232248" cy="430887"/>
+          </a:xfrm>
+          <a:prstGeom prst="rect">
+            <a:avLst/>
+          </a:prstGeom>
+          <a:solidFill>
+            <a:schemeClr val="accent2"/>
+          </a:solidFill>
+          <a:ln>
+            <a:solidFill>
+              <a:schemeClr val="tx1"/>
+            </a:solidFill>
+          </a:ln>
+        </p:spPr>
+        <p:txBody>
+          <a:bodyPr wrap="square" rtlCol="0">
+            <a:spAutoFit/>
+          </a:bodyPr>
+          <a:lstStyle/>
+          <a:p>
+            <a:pPr algn="ctr"/>
+            <a:r>
+              <a:rPr lang="es-CO" sz="1100" b="1" dirty="0"/>
+              <a:t>Teoría ondulatoria por Christian Huygens</a:t>
+            </a:r>
+            <a:endParaRPr lang="es-CO" sz="1100" dirty="0"/>
+          </a:p>
+        </p:txBody>
+      </p:sp>
+      <p:sp>
+        <p:nvSpPr>
+          <p:cNvPr id="77" name="226 CuadroTexto"/>
+          <p:cNvSpPr txBox="1"/>
+          <p:nvPr/>
+        </p:nvSpPr>
+        <p:spPr>
+          <a:xfrm>
+            <a:off x="8897925" y="3206693"/>
+            <a:ext cx="2232248" cy="430887"/>
+          </a:xfrm>
+          <a:prstGeom prst="rect">
+            <a:avLst/>
+          </a:prstGeom>
+          <a:solidFill>
+            <a:schemeClr val="accent2"/>
+          </a:solidFill>
+          <a:ln>
+            <a:solidFill>
+              <a:schemeClr val="tx1"/>
+            </a:solidFill>
+          </a:ln>
+        </p:spPr>
+        <p:txBody>
+          <a:bodyPr wrap="square" rtlCol="0">
+            <a:spAutoFit/>
+          </a:bodyPr>
+          <a:lstStyle/>
+          <a:p>
+            <a:pPr algn="ctr"/>
+            <a:r>
+              <a:rPr lang="es-CO" sz="1100" b="1" dirty="0"/>
+              <a:t>Teoría electromagnética por Clerk Maxwell</a:t>
+            </a:r>
+            <a:endParaRPr lang="es-CO" sz="1100" dirty="0"/>
+          </a:p>
+        </p:txBody>
+      </p:sp>
+      <p:sp>
+        <p:nvSpPr>
+          <p:cNvPr id="78" name="226 CuadroTexto"/>
+          <p:cNvSpPr txBox="1"/>
+          <p:nvPr/>
+        </p:nvSpPr>
+        <p:spPr>
+          <a:xfrm>
+            <a:off x="8969932" y="3733156"/>
+            <a:ext cx="2232248" cy="261610"/>
+          </a:xfrm>
+          <a:prstGeom prst="rect">
+            <a:avLst/>
+          </a:prstGeom>
+          <a:solidFill>
+            <a:schemeClr val="accent2"/>
+          </a:solidFill>
+          <a:ln>
+            <a:solidFill>
+              <a:schemeClr val="tx1"/>
+            </a:solidFill>
+          </a:ln>
+        </p:spPr>
+        <p:txBody>
+          <a:bodyPr wrap="square" rtlCol="0">
+            <a:spAutoFit/>
+          </a:bodyPr>
+          <a:lstStyle/>
+          <a:p>
+            <a:pPr algn="ctr"/>
+            <a:r>
+              <a:rPr lang="es-CO" sz="1100" b="1" dirty="0"/>
+              <a:t>Teoría cuántica por Albert Einstein</a:t>
+            </a:r>
+            <a:endParaRPr lang="es-CO" sz="1100" dirty="0"/>
+          </a:p>
+        </p:txBody>
+      </p:sp>
+      <p:cxnSp>
+        <p:nvCxnSpPr>
+          <p:cNvPr id="7" name="Conector: angular 6"/>
+          <p:cNvCxnSpPr>
+            <a:stCxn id="54" idx="2"/>
+            <a:endCxn id="59" idx="3"/>
+          </p:cNvCxnSpPr>
+          <p:nvPr/>
+        </p:nvCxnSpPr>
+        <p:spPr>
+          <a:xfrm rot="16200000" flipH="1">
+            <a:off x="10326489" y="1619964"/>
+            <a:ext cx="396833" cy="1215358"/>
+          </a:xfrm>
+          <a:prstGeom prst="bentConnector4">
+            <a:avLst>
+              <a:gd name="adj1" fmla="val 33519"/>
+              <a:gd name="adj2" fmla="val 118809"/>
+            </a:avLst>
+          </a:prstGeom>
+          <a:ln>
+            <a:solidFill>
+              <a:schemeClr val="tx1"/>
+            </a:solidFill>
+            <a:tailEnd type="triangle"/>
+          </a:ln>
+        </p:spPr>
+        <p:style>
+          <a:lnRef idx="1">
+            <a:schemeClr val="accent1"/>
+          </a:lnRef>
+          <a:fillRef idx="0">
+            <a:schemeClr val="accent1"/>
+          </a:fillRef>
+          <a:effectRef idx="0">
+            <a:schemeClr val="accent1"/>
+          </a:effectRef>
+          <a:fontRef idx="minor">
+            <a:schemeClr val="tx1"/>
+          </a:fontRef>
+        </p:style>
+      </p:cxnSp>
+      <p:cxnSp>
+        <p:nvCxnSpPr>
+          <p:cNvPr id="9" name="Conector: angular 8"/>
+          <p:cNvCxnSpPr>
+            <a:stCxn id="54" idx="2"/>
+            <a:endCxn id="76" idx="3"/>
+          </p:cNvCxnSpPr>
+          <p:nvPr/>
+        </p:nvCxnSpPr>
+        <p:spPr>
+          <a:xfrm rot="16200000" flipH="1">
+            <a:off x="10111786" y="1834667"/>
+            <a:ext cx="851534" cy="1240654"/>
+          </a:xfrm>
+          <a:prstGeom prst="bentConnector4">
+            <a:avLst>
+              <a:gd name="adj1" fmla="val 37350"/>
+              <a:gd name="adj2" fmla="val 118426"/>
+            </a:avLst>
+          </a:prstGeom>
+          <a:ln>
+            <a:solidFill>
+              <a:schemeClr val="tx1"/>
+            </a:solidFill>
+            <a:tailEnd type="triangle"/>
+          </a:ln>
+        </p:spPr>
+        <p:style>
+          <a:lnRef idx="1">
+            <a:schemeClr val="accent1"/>
+          </a:lnRef>
+          <a:fillRef idx="0">
+            <a:schemeClr val="accent1"/>
+          </a:fillRef>
+          <a:effectRef idx="0">
+            <a:schemeClr val="accent1"/>
+          </a:effectRef>
+          <a:fontRef idx="minor">
+            <a:schemeClr val="tx1"/>
+          </a:fontRef>
+        </p:style>
+      </p:cxnSp>
+      <p:cxnSp>
+        <p:nvCxnSpPr>
+          <p:cNvPr id="11" name="Conector: angular 10"/>
+          <p:cNvCxnSpPr>
+            <a:stCxn id="54" idx="2"/>
+            <a:endCxn id="77" idx="3"/>
+          </p:cNvCxnSpPr>
+          <p:nvPr/>
+        </p:nvCxnSpPr>
+        <p:spPr>
+          <a:xfrm rot="16200000" flipH="1">
+            <a:off x="9827244" y="2119208"/>
+            <a:ext cx="1392910" cy="1212947"/>
+          </a:xfrm>
+          <a:prstGeom prst="bentConnector4">
+            <a:avLst>
+              <a:gd name="adj1" fmla="val 42266"/>
+              <a:gd name="adj2" fmla="val 118847"/>
+            </a:avLst>
+          </a:prstGeom>
+          <a:ln>
+            <a:solidFill>
+              <a:schemeClr val="tx1"/>
+            </a:solidFill>
+            <a:tailEnd type="triangle"/>
+          </a:ln>
+        </p:spPr>
+        <p:style>
+          <a:lnRef idx="1">
+            <a:schemeClr val="accent1"/>
+          </a:lnRef>
+          <a:fillRef idx="0">
+            <a:schemeClr val="accent1"/>
+          </a:fillRef>
+          <a:effectRef idx="0">
+            <a:schemeClr val="accent1"/>
+          </a:effectRef>
+          <a:fontRef idx="minor">
+            <a:schemeClr val="tx1"/>
+          </a:fontRef>
+        </p:style>
+      </p:cxnSp>
+      <p:cxnSp>
+        <p:nvCxnSpPr>
+          <p:cNvPr id="15" name="Conector: angular 14"/>
+          <p:cNvCxnSpPr>
+            <a:stCxn id="54" idx="2"/>
+            <a:endCxn id="78" idx="3"/>
+          </p:cNvCxnSpPr>
+          <p:nvPr/>
+        </p:nvCxnSpPr>
+        <p:spPr>
+          <a:xfrm rot="16200000" flipH="1">
+            <a:off x="9642336" y="2304117"/>
+            <a:ext cx="1834734" cy="1284954"/>
+          </a:xfrm>
+          <a:prstGeom prst="bentConnector4">
+            <a:avLst>
+              <a:gd name="adj1" fmla="val 46435"/>
+              <a:gd name="adj2" fmla="val 117791"/>
+            </a:avLst>
+          </a:prstGeom>
+          <a:ln>
+            <a:solidFill>
+              <a:schemeClr val="tx1"/>
+            </a:solidFill>
+            <a:tailEnd type="triangle"/>
+          </a:ln>
+        </p:spPr>
+        <p:style>
+          <a:lnRef idx="1">
+            <a:schemeClr val="accent1"/>
+          </a:lnRef>
+          <a:fillRef idx="0">
+            <a:schemeClr val="accent1"/>
+          </a:fillRef>
+          <a:effectRef idx="0">
+            <a:schemeClr val="accent1"/>
+          </a:effectRef>
+          <a:fontRef idx="minor">
+            <a:schemeClr val="tx1"/>
+          </a:fontRef>
+        </p:style>
+      </p:cxnSp>
+      <p:sp>
+        <p:nvSpPr>
+          <p:cNvPr id="94" name="226 CuadroTexto"/>
+          <p:cNvSpPr txBox="1"/>
+          <p:nvPr/>
+        </p:nvSpPr>
+        <p:spPr>
+          <a:xfrm>
+            <a:off x="6365521" y="2306108"/>
+            <a:ext cx="2232248" cy="261610"/>
+          </a:xfrm>
+          <a:prstGeom prst="rect">
+            <a:avLst/>
+          </a:prstGeom>
+          <a:solidFill>
+            <a:schemeClr val="accent2"/>
+          </a:solidFill>
+          <a:ln>
+            <a:solidFill>
+              <a:schemeClr val="tx1"/>
+            </a:solidFill>
+          </a:ln>
+        </p:spPr>
+        <p:txBody>
+          <a:bodyPr wrap="square" rtlCol="0">
+            <a:spAutoFit/>
+          </a:bodyPr>
+          <a:lstStyle/>
+          <a:p>
+            <a:pPr algn="ctr"/>
+            <a:r>
+              <a:rPr lang="es-CO" sz="1100" b="1" dirty="0"/>
+              <a:t>espectro electromagnético</a:t>
+            </a:r>
+            <a:endParaRPr lang="es-CO" sz="1100" dirty="0"/>
+          </a:p>
+        </p:txBody>
+      </p:sp>
+      <p:sp>
+        <p:nvSpPr>
+          <p:cNvPr id="95" name="210 CuadroTexto"/>
+          <p:cNvSpPr txBox="1"/>
+          <p:nvPr/>
+        </p:nvSpPr>
+        <p:spPr>
+          <a:xfrm>
+            <a:off x="6645996" y="1722318"/>
+            <a:ext cx="1677364" cy="353943"/>
+          </a:xfrm>
+          <a:prstGeom prst="rect">
+            <a:avLst/>
+          </a:prstGeom>
+          <a:solidFill>
+            <a:schemeClr val="accent2"/>
+          </a:solidFill>
+        </p:spPr>
+        <p:txBody>
+          <a:bodyPr wrap="square" rtlCol="0">
+            <a:spAutoFit/>
+          </a:bodyPr>
+          <a:lstStyle/>
+          <a:p>
+            <a:pPr algn="ctr"/>
+            <a:r>
+              <a:rPr lang="es-CO" sz="1700" dirty="0"/>
+              <a:t>pertenece al</a:t>
+            </a:r>
+          </a:p>
+        </p:txBody>
+      </p:sp>
+      <p:cxnSp>
+        <p:nvCxnSpPr>
+          <p:cNvPr id="27" name="Conector: angular 26"/>
+          <p:cNvCxnSpPr>
+            <a:stCxn id="95" idx="2"/>
+            <a:endCxn id="94" idx="0"/>
+          </p:cNvCxnSpPr>
+          <p:nvPr/>
+        </p:nvCxnSpPr>
+        <p:spPr>
+          <a:xfrm rot="5400000">
+            <a:off x="7368239" y="2189668"/>
+            <a:ext cx="229847" cy="3033"/>
+          </a:xfrm>
+          <a:prstGeom prst="bentConnector3">
+            <a:avLst/>
+          </a:prstGeom>
+          <a:ln>
+            <a:solidFill>
+              <a:schemeClr val="tx1"/>
+            </a:solidFill>
+            <a:tailEnd type="triangle"/>
+          </a:ln>
+        </p:spPr>
+        <p:style>
+          <a:lnRef idx="1">
+            <a:schemeClr val="accent1"/>
+          </a:lnRef>
+          <a:fillRef idx="0">
+            <a:schemeClr val="accent1"/>
+          </a:fillRef>
+          <a:effectRef idx="0">
+            <a:schemeClr val="accent1"/>
+          </a:effectRef>
+          <a:fontRef idx="minor">
+            <a:schemeClr val="tx1"/>
+          </a:fontRef>
+        </p:style>
+      </p:cxnSp>
+      <p:sp>
+        <p:nvSpPr>
+          <p:cNvPr id="100" name="210 CuadroTexto"/>
+          <p:cNvSpPr txBox="1"/>
+          <p:nvPr/>
+        </p:nvSpPr>
+        <p:spPr>
+          <a:xfrm>
+            <a:off x="6705802" y="2830127"/>
+            <a:ext cx="1677364" cy="430887"/>
+          </a:xfrm>
+          <a:prstGeom prst="rect">
+            <a:avLst/>
+          </a:prstGeom>
+          <a:solidFill>
+            <a:schemeClr val="accent2"/>
+          </a:solidFill>
+        </p:spPr>
+        <p:txBody>
+          <a:bodyPr wrap="square" rtlCol="0">
+            <a:spAutoFit/>
+          </a:bodyPr>
+          <a:lstStyle/>
+          <a:p>
+            <a:pPr algn="ctr"/>
+            <a:r>
+              <a:rPr lang="es-CO" sz="1100" dirty="0"/>
+              <a:t>donde se encuentran todas las  </a:t>
+            </a:r>
+          </a:p>
+        </p:txBody>
+      </p:sp>
+      <p:sp>
+        <p:nvSpPr>
+          <p:cNvPr id="101" name="226 CuadroTexto"/>
+          <p:cNvSpPr txBox="1"/>
+          <p:nvPr/>
+        </p:nvSpPr>
+        <p:spPr>
+          <a:xfrm>
+            <a:off x="6384281" y="3540506"/>
+            <a:ext cx="2232248" cy="261610"/>
+          </a:xfrm>
+          <a:prstGeom prst="rect">
+            <a:avLst/>
+          </a:prstGeom>
+          <a:solidFill>
+            <a:schemeClr val="accent2"/>
+          </a:solidFill>
+          <a:ln>
+            <a:solidFill>
+              <a:schemeClr val="tx1"/>
+            </a:solidFill>
+          </a:ln>
+        </p:spPr>
+        <p:txBody>
+          <a:bodyPr wrap="square" rtlCol="0">
+            <a:spAutoFit/>
+          </a:bodyPr>
+          <a:lstStyle/>
+          <a:p>
+            <a:pPr algn="ctr"/>
+            <a:r>
+              <a:rPr lang="es-CO" sz="1100" b="1" dirty="0"/>
+              <a:t>radiaciones electromagnéticas </a:t>
+            </a:r>
+            <a:endParaRPr lang="es-CO" sz="1100" dirty="0"/>
+          </a:p>
+        </p:txBody>
+      </p:sp>
+      <p:cxnSp>
+        <p:nvCxnSpPr>
+          <p:cNvPr id="32" name="Conector: angular 31"/>
+          <p:cNvCxnSpPr>
+            <a:stCxn id="94" idx="2"/>
+            <a:endCxn id="100" idx="0"/>
+          </p:cNvCxnSpPr>
+          <p:nvPr/>
+        </p:nvCxnSpPr>
+        <p:spPr>
+          <a:xfrm rot="16200000" flipH="1">
+            <a:off x="7381860" y="2667502"/>
+            <a:ext cx="262409" cy="62839"/>
+          </a:xfrm>
+          <a:prstGeom prst="bentConnector3">
+            <a:avLst/>
+          </a:prstGeom>
+          <a:ln>
+            <a:solidFill>
+              <a:schemeClr val="tx1"/>
+            </a:solidFill>
+            <a:tailEnd type="triangle"/>
+          </a:ln>
+        </p:spPr>
+        <p:style>
+          <a:lnRef idx="1">
+            <a:schemeClr val="accent1"/>
+          </a:lnRef>
+          <a:fillRef idx="0">
+            <a:schemeClr val="accent1"/>
+          </a:fillRef>
+          <a:effectRef idx="0">
+            <a:schemeClr val="accent1"/>
+          </a:effectRef>
+          <a:fontRef idx="minor">
+            <a:schemeClr val="tx1"/>
+          </a:fontRef>
+        </p:style>
+      </p:cxnSp>
+      <p:cxnSp>
+        <p:nvCxnSpPr>
+          <p:cNvPr id="34" name="Conector: angular 33"/>
+          <p:cNvCxnSpPr>
+            <a:stCxn id="100" idx="2"/>
+            <a:endCxn id="101" idx="0"/>
+          </p:cNvCxnSpPr>
+          <p:nvPr/>
+        </p:nvCxnSpPr>
+        <p:spPr>
+          <a:xfrm rot="5400000">
+            <a:off x="7382699" y="3378721"/>
+            <a:ext cx="279492" cy="44079"/>
+          </a:xfrm>
+          <a:prstGeom prst="bentConnector3">
+            <a:avLst/>
+          </a:prstGeom>
+          <a:ln>
+            <a:solidFill>
+              <a:schemeClr val="tx1"/>
+            </a:solidFill>
+            <a:tailEnd type="triangle"/>
+          </a:ln>
+        </p:spPr>
+        <p:style>
+          <a:lnRef idx="1">
+            <a:schemeClr val="accent1"/>
+          </a:lnRef>
+          <a:fillRef idx="0">
+            <a:schemeClr val="accent1"/>
+          </a:fillRef>
+          <a:effectRef idx="0">
+            <a:schemeClr val="accent1"/>
+          </a:effectRef>
+          <a:fontRef idx="minor">
+            <a:schemeClr val="tx1"/>
+          </a:fontRef>
+        </p:style>
+      </p:cxnSp>
+      <p:sp>
+        <p:nvSpPr>
+          <p:cNvPr id="110" name="210 CuadroTexto"/>
+          <p:cNvSpPr txBox="1"/>
+          <p:nvPr/>
+        </p:nvSpPr>
+        <p:spPr>
+          <a:xfrm>
+            <a:off x="6761679" y="4102396"/>
+            <a:ext cx="1677364" cy="261610"/>
+          </a:xfrm>
+          <a:prstGeom prst="rect">
+            <a:avLst/>
+          </a:prstGeom>
+          <a:solidFill>
+            <a:schemeClr val="accent2"/>
+          </a:solidFill>
+        </p:spPr>
+        <p:txBody>
+          <a:bodyPr wrap="square" rtlCol="0">
+            <a:spAutoFit/>
+          </a:bodyPr>
+          <a:lstStyle/>
+          <a:p>
+            <a:pPr algn="ctr"/>
+            <a:r>
+              <a:rPr lang="es-CO" sz="1100" dirty="0"/>
+              <a:t>que viajan a la misma </a:t>
+            </a:r>
+          </a:p>
+        </p:txBody>
+      </p:sp>
+      <p:sp>
+        <p:nvSpPr>
+          <p:cNvPr id="111" name="226 CuadroTexto"/>
+          <p:cNvSpPr txBox="1"/>
+          <p:nvPr/>
+        </p:nvSpPr>
+        <p:spPr>
+          <a:xfrm>
+            <a:off x="6545175" y="4484171"/>
+            <a:ext cx="2232248" cy="261610"/>
+          </a:xfrm>
+          <a:prstGeom prst="rect">
+            <a:avLst/>
+          </a:prstGeom>
+          <a:solidFill>
+            <a:schemeClr val="accent2"/>
+          </a:solidFill>
+          <a:ln>
+            <a:solidFill>
+              <a:schemeClr val="tx1"/>
+            </a:solidFill>
+          </a:ln>
+        </p:spPr>
+        <p:txBody>
+          <a:bodyPr wrap="square" rtlCol="0">
+            <a:spAutoFit/>
+          </a:bodyPr>
+          <a:lstStyle/>
+          <a:p>
+            <a:pPr algn="ctr"/>
+            <a:r>
+              <a:rPr lang="es-CO" sz="1100" b="1" dirty="0"/>
+              <a:t>velocidad de la luz</a:t>
+            </a:r>
+            <a:endParaRPr lang="es-CO" sz="1100" dirty="0"/>
+          </a:p>
+        </p:txBody>
+      </p:sp>
+      <mc:AlternateContent xmlns:mc="http://schemas.openxmlformats.org/markup-compatibility/2006">
+        <mc:Choice xmlns:a14="http://schemas.microsoft.com/office/drawing/2010/main" Requires="a14">
+          <p:sp>
+            <p:nvSpPr>
+              <p:cNvPr id="112" name="226 CuadroTexto"/>
+              <p:cNvSpPr txBox="1"/>
+              <p:nvPr/>
+            </p:nvSpPr>
+            <p:spPr>
+              <a:xfrm>
+                <a:off x="6517201" y="5026699"/>
+                <a:ext cx="2232248" cy="261610"/>
+              </a:xfrm>
+              <a:prstGeom prst="rect">
+                <a:avLst/>
+              </a:prstGeom>
+              <a:solidFill>
+                <a:schemeClr val="accent2"/>
+              </a:solidFill>
+              <a:ln>
+                <a:solidFill>
+                  <a:schemeClr val="tx1"/>
+                </a:solidFill>
+              </a:ln>
+            </p:spPr>
+            <p:txBody>
+              <a:bodyPr wrap="square" rtlCol="0">
+                <a:spAutoFit/>
+              </a:bodyPr>
+              <a:lstStyle/>
+              <a:p>
+                <a:pPr algn="ctr"/>
+                <a14:m>
+                  <m:oMathPara xmlns:m="http://schemas.openxmlformats.org/officeDocument/2006/math">
+                    <m:oMathParaPr>
+                      <m:jc m:val="centerGroup"/>
+                    </m:oMathParaPr>
+                    <m:oMath xmlns:m="http://schemas.openxmlformats.org/officeDocument/2006/math">
+                      <m:r>
+                        <a:rPr lang="es-CO" sz="1100" b="0" i="1" smtClean="0">
+                          <a:latin typeface="Cambria Math" panose="02040503050406030204" pitchFamily="18" charset="0"/>
+                        </a:rPr>
+                        <m:t>𝑐</m:t>
+                      </m:r>
+                      <m:r>
+                        <a:rPr lang="es-CO" sz="1100" b="0" i="1" smtClean="0">
+                          <a:latin typeface="Cambria Math" panose="02040503050406030204" pitchFamily="18" charset="0"/>
+                        </a:rPr>
+                        <m:t>=</m:t>
+                      </m:r>
+                      <m:r>
+                        <m:rPr>
+                          <m:sty m:val="p"/>
+                        </m:rPr>
+                        <a:rPr lang="el-GR" sz="1100" b="0" i="1" smtClean="0">
+                          <a:latin typeface="Cambria Math" panose="02040503050406030204" pitchFamily="18" charset="0"/>
+                        </a:rPr>
+                        <m:t>λ</m:t>
+                      </m:r>
+                      <m:r>
+                        <m:rPr>
+                          <m:sty m:val="p"/>
+                        </m:rPr>
+                        <a:rPr lang="es-CO" sz="1100" b="0" i="0" smtClean="0">
+                          <a:latin typeface="Cambria Math" panose="02040503050406030204" pitchFamily="18" charset="0"/>
+                        </a:rPr>
+                        <m:t>f</m:t>
+                      </m:r>
+                    </m:oMath>
+                  </m:oMathPara>
+                </a14:m>
+                <a:endParaRPr lang="es-CO" sz="1100" dirty="0"/>
+              </a:p>
+            </p:txBody>
+          </p:sp>
+        </mc:Choice>
+        <mc:Fallback>
+          <p:sp>
+            <p:nvSpPr>
+              <p:cNvPr id="112" name="226 CuadroTexto"/>
+              <p:cNvSpPr txBox="1">
+                <a:spLocks noRot="1" noChangeAspect="1" noMove="1" noResize="1" noEditPoints="1" noAdjustHandles="1" noChangeArrowheads="1" noChangeShapeType="1" noTextEdit="1"/>
+              </p:cNvSpPr>
+              <p:nvPr/>
+            </p:nvSpPr>
+            <p:spPr>
+              <a:xfrm>
+                <a:off x="6517201" y="5026699"/>
+                <a:ext cx="2232248" cy="261610"/>
+              </a:xfrm>
+              <a:prstGeom prst="rect">
+                <a:avLst/>
+              </a:prstGeom>
+              <a:blipFill>
+                <a:blip r:embed="rId3"/>
+                <a:stretch>
+                  <a:fillRect/>
+                </a:stretch>
+              </a:blipFill>
+              <a:ln>
+                <a:solidFill>
+                  <a:schemeClr val="tx1"/>
+                </a:solidFill>
+              </a:ln>
+            </p:spPr>
+            <p:txBody>
+              <a:bodyPr/>
+              <a:lstStyle/>
+              <a:p>
+                <a:r>
+                  <a:rPr lang="es-CO">
+                    <a:noFill/>
+                  </a:rPr>
+                  <a:t> </a:t>
+                </a:r>
+              </a:p>
+            </p:txBody>
+          </p:sp>
+        </mc:Fallback>
+      </mc:AlternateContent>
+      <p:cxnSp>
+        <p:nvCxnSpPr>
+          <p:cNvPr id="36" name="Conector: angular 35"/>
+          <p:cNvCxnSpPr>
+            <a:stCxn id="101" idx="2"/>
+            <a:endCxn id="110" idx="0"/>
+          </p:cNvCxnSpPr>
+          <p:nvPr/>
+        </p:nvCxnSpPr>
+        <p:spPr>
+          <a:xfrm rot="16200000" flipH="1">
+            <a:off x="7400243" y="3902278"/>
+            <a:ext cx="300280" cy="99956"/>
+          </a:xfrm>
+          <a:prstGeom prst="bentConnector3">
+            <a:avLst/>
+          </a:prstGeom>
+          <a:ln>
+            <a:solidFill>
+              <a:schemeClr val="tx1"/>
+            </a:solidFill>
+            <a:tailEnd type="triangle"/>
+          </a:ln>
+        </p:spPr>
+        <p:style>
+          <a:lnRef idx="1">
+            <a:schemeClr val="accent1"/>
+          </a:lnRef>
+          <a:fillRef idx="0">
+            <a:schemeClr val="accent1"/>
+          </a:fillRef>
+          <a:effectRef idx="0">
+            <a:schemeClr val="accent1"/>
+          </a:effectRef>
+          <a:fontRef idx="minor">
+            <a:schemeClr val="tx1"/>
+          </a:fontRef>
+        </p:style>
+      </p:cxnSp>
+      <p:cxnSp>
+        <p:nvCxnSpPr>
+          <p:cNvPr id="38" name="Conector: angular 37"/>
+          <p:cNvCxnSpPr>
+            <a:stCxn id="110" idx="2"/>
+            <a:endCxn id="111" idx="0"/>
+          </p:cNvCxnSpPr>
+          <p:nvPr/>
+        </p:nvCxnSpPr>
+        <p:spPr>
+          <a:xfrm rot="16200000" flipH="1">
+            <a:off x="7570748" y="4393619"/>
+            <a:ext cx="120165" cy="60938"/>
+          </a:xfrm>
+          <a:prstGeom prst="bentConnector3">
+            <a:avLst/>
+          </a:prstGeom>
+          <a:ln>
+            <a:solidFill>
+              <a:schemeClr val="tx1"/>
+            </a:solidFill>
+            <a:tailEnd type="triangle"/>
+          </a:ln>
+        </p:spPr>
+        <p:style>
+          <a:lnRef idx="1">
+            <a:schemeClr val="accent1"/>
+          </a:lnRef>
+          <a:fillRef idx="0">
+            <a:schemeClr val="accent1"/>
+          </a:fillRef>
+          <a:effectRef idx="0">
+            <a:schemeClr val="accent1"/>
+          </a:effectRef>
+          <a:fontRef idx="minor">
+            <a:schemeClr val="tx1"/>
+          </a:fontRef>
+        </p:style>
+      </p:cxnSp>
+      <p:cxnSp>
+        <p:nvCxnSpPr>
+          <p:cNvPr id="40" name="Conector: angular 39"/>
+          <p:cNvCxnSpPr>
+            <a:stCxn id="111" idx="2"/>
+            <a:endCxn id="112" idx="0"/>
+          </p:cNvCxnSpPr>
+          <p:nvPr/>
+        </p:nvCxnSpPr>
+        <p:spPr>
+          <a:xfrm rot="5400000">
+            <a:off x="7506853" y="4872253"/>
+            <a:ext cx="280918" cy="27974"/>
+          </a:xfrm>
+          <a:prstGeom prst="bentConnector3">
+            <a:avLst/>
+          </a:prstGeom>
+          <a:ln>
+            <a:solidFill>
+              <a:schemeClr val="tx1"/>
+            </a:solidFill>
+            <a:tailEnd type="triangle"/>
+          </a:ln>
+        </p:spPr>
+        <p:style>
+          <a:lnRef idx="1">
+            <a:schemeClr val="accent1"/>
+          </a:lnRef>
+          <a:fillRef idx="0">
+            <a:schemeClr val="accent1"/>
+          </a:fillRef>
+          <a:effectRef idx="0">
+            <a:schemeClr val="accent1"/>
+          </a:effectRef>
+          <a:fontRef idx="minor">
+            <a:schemeClr val="tx1"/>
+          </a:fontRef>
+        </p:style>
+      </p:cxnSp>
+      <p:sp>
+        <p:nvSpPr>
+          <p:cNvPr id="139" name="155 CuadroTexto"/>
+          <p:cNvSpPr txBox="1"/>
+          <p:nvPr/>
+        </p:nvSpPr>
+        <p:spPr>
+          <a:xfrm>
+            <a:off x="714147" y="4779394"/>
+            <a:ext cx="702288" cy="253916"/>
+          </a:xfrm>
+          <a:prstGeom prst="rect">
+            <a:avLst/>
+          </a:prstGeom>
+          <a:noFill/>
+        </p:spPr>
+        <p:txBody>
+          <a:bodyPr wrap="square" rtlCol="0">
+            <a:spAutoFit/>
+          </a:bodyPr>
+          <a:lstStyle/>
+          <a:p>
+            <a:pPr algn="ctr"/>
+            <a:r>
+              <a:rPr lang="es-CO" sz="1050" dirty="0"/>
+              <a:t>más no </a:t>
+            </a:r>
+          </a:p>
+        </p:txBody>
+      </p:sp>
+      <p:sp>
+        <p:nvSpPr>
+          <p:cNvPr id="142" name="82 CuadroTexto"/>
+          <p:cNvSpPr txBox="1"/>
+          <p:nvPr/>
+        </p:nvSpPr>
+        <p:spPr>
+          <a:xfrm>
+            <a:off x="452842" y="5164701"/>
+            <a:ext cx="1347458" cy="254999"/>
+          </a:xfrm>
+          <a:prstGeom prst="rect">
+            <a:avLst/>
+          </a:prstGeom>
+          <a:solidFill>
+            <a:schemeClr val="accent2"/>
+          </a:solidFill>
+          <a:ln>
+            <a:solidFill>
+              <a:schemeClr val="tx1"/>
+            </a:solidFill>
+          </a:ln>
+        </p:spPr>
+        <p:txBody>
+          <a:bodyPr wrap="square" rtlCol="0">
+            <a:spAutoFit/>
+          </a:bodyPr>
+          <a:lstStyle/>
+          <a:p>
+            <a:pPr algn="ctr"/>
+            <a:r>
+              <a:rPr lang="es-CO" sz="1050" dirty="0"/>
+              <a:t>En el vacío</a:t>
+            </a:r>
+          </a:p>
+        </p:txBody>
+      </p:sp>
+      <p:cxnSp>
+        <p:nvCxnSpPr>
+          <p:cNvPr id="98" name="Conector: angular 97"/>
+          <p:cNvCxnSpPr>
+            <a:stCxn id="139" idx="0"/>
+            <a:endCxn id="142" idx="0"/>
+          </p:cNvCxnSpPr>
+          <p:nvPr/>
+        </p:nvCxnSpPr>
+        <p:spPr>
+          <a:xfrm rot="16200000" flipH="1">
+            <a:off x="903277" y="4941407"/>
+            <a:ext cx="385307" cy="61280"/>
+          </a:xfrm>
+          <a:prstGeom prst="bentConnector5">
+            <a:avLst>
+              <a:gd name="adj1" fmla="val 41351"/>
+              <a:gd name="adj2" fmla="val 290405"/>
+              <a:gd name="adj3" fmla="val 82950"/>
+            </a:avLst>
+          </a:prstGeom>
+          <a:ln>
+            <a:solidFill>
+              <a:schemeClr val="tx1"/>
+            </a:solidFill>
+            <a:tailEnd type="triangle"/>
+          </a:ln>
+        </p:spPr>
+        <p:style>
+          <a:lnRef idx="1">
+            <a:schemeClr val="accent1"/>
+          </a:lnRef>
+          <a:fillRef idx="0">
+            <a:schemeClr val="accent1"/>
+          </a:fillRef>
+          <a:effectRef idx="0">
+            <a:schemeClr val="accent1"/>
+          </a:effectRef>
+          <a:fontRef idx="minor">
+            <a:schemeClr val="tx1"/>
+          </a:fontRef>
+        </p:style>
+      </p:cxnSp>
+      <p:sp>
+        <p:nvSpPr>
+          <p:cNvPr id="147" name="155 CuadroTexto"/>
+          <p:cNvSpPr txBox="1"/>
+          <p:nvPr/>
+        </p:nvSpPr>
+        <p:spPr>
+          <a:xfrm>
+            <a:off x="273251" y="5581459"/>
+            <a:ext cx="1631108" cy="415498"/>
+          </a:xfrm>
+          <a:prstGeom prst="rect">
+            <a:avLst/>
+          </a:prstGeom>
+          <a:noFill/>
+        </p:spPr>
+        <p:txBody>
+          <a:bodyPr wrap="square" rtlCol="0">
+            <a:spAutoFit/>
+          </a:bodyPr>
+          <a:lstStyle/>
+          <a:p>
+            <a:pPr algn="ctr"/>
+            <a:r>
+              <a:rPr lang="es-CO" sz="1050" dirty="0"/>
+              <a:t>la velocidad también depende de la </a:t>
+            </a:r>
+          </a:p>
+        </p:txBody>
+      </p:sp>
+      <mc:AlternateContent xmlns:mc="http://schemas.openxmlformats.org/markup-compatibility/2006">
+        <mc:Choice xmlns:a14="http://schemas.microsoft.com/office/drawing/2010/main" Requires="a14">
+          <p:sp>
+            <p:nvSpPr>
+              <p:cNvPr id="150" name="82 CuadroTexto"/>
+              <p:cNvSpPr txBox="1"/>
+              <p:nvPr/>
+            </p:nvSpPr>
+            <p:spPr>
+              <a:xfrm>
+                <a:off x="452841" y="6135762"/>
+                <a:ext cx="1851513" cy="415498"/>
+              </a:xfrm>
+              <a:prstGeom prst="rect">
+                <a:avLst/>
+              </a:prstGeom>
+              <a:solidFill>
+                <a:schemeClr val="accent2"/>
+              </a:solidFill>
+              <a:ln>
+                <a:solidFill>
+                  <a:schemeClr val="tx1"/>
+                </a:solidFill>
+              </a:ln>
+            </p:spPr>
+            <p:txBody>
+              <a:bodyPr wrap="square" rtlCol="0">
+                <a:spAutoFit/>
+              </a:bodyPr>
+              <a:lstStyle/>
+              <a:p>
+                <a:pPr algn="ctr"/>
+                <a:r>
+                  <a:rPr lang="es-CO" sz="1050" dirty="0"/>
+                  <a:t>Temperatura </a:t>
+                </a:r>
+              </a:p>
+              <a:p>
+                <a:pPr algn="ctr"/>
+                <a14:m>
+                  <m:oMathPara xmlns:m="http://schemas.openxmlformats.org/officeDocument/2006/math">
+                    <m:oMathParaPr>
+                      <m:jc m:val="centerGroup"/>
+                    </m:oMathParaPr>
+                    <m:oMath xmlns:m="http://schemas.openxmlformats.org/officeDocument/2006/math">
+                      <m:r>
+                        <a:rPr lang="es-CO" sz="1050" b="0" i="1" smtClean="0">
+                          <a:latin typeface="Cambria Math" panose="02040503050406030204" pitchFamily="18" charset="0"/>
+                        </a:rPr>
+                        <m:t>𝑣</m:t>
+                      </m:r>
+                      <m:r>
+                        <a:rPr lang="es-CO" sz="1050" b="0" i="1" smtClean="0">
+                          <a:latin typeface="Cambria Math" panose="02040503050406030204" pitchFamily="18" charset="0"/>
+                        </a:rPr>
+                        <m:t>=</m:t>
+                      </m:r>
+                      <m:sSub>
+                        <m:sSubPr>
+                          <m:ctrlPr>
+                            <a:rPr lang="es-CO" sz="1050" b="0" i="1" smtClean="0">
+                              <a:latin typeface="Cambria Math" panose="02040503050406030204" pitchFamily="18" charset="0"/>
+                            </a:rPr>
+                          </m:ctrlPr>
+                        </m:sSubPr>
+                        <m:e>
+                          <m:r>
+                            <a:rPr lang="es-CO" sz="1050" b="0" i="1" smtClean="0">
+                              <a:latin typeface="Cambria Math" panose="02040503050406030204" pitchFamily="18" charset="0"/>
+                            </a:rPr>
+                            <m:t>𝑣</m:t>
+                          </m:r>
+                        </m:e>
+                        <m:sub>
+                          <m:r>
+                            <a:rPr lang="es-CO" sz="1050" b="0" i="1" smtClean="0">
+                              <a:latin typeface="Cambria Math" panose="02040503050406030204" pitchFamily="18" charset="0"/>
+                            </a:rPr>
+                            <m:t>𝑜</m:t>
+                          </m:r>
+                        </m:sub>
+                      </m:sSub>
+                      <m:r>
+                        <a:rPr lang="es-CO" sz="1050" b="0" i="1" smtClean="0">
+                          <a:latin typeface="Cambria Math" panose="02040503050406030204" pitchFamily="18" charset="0"/>
+                        </a:rPr>
+                        <m:t>+</m:t>
+                      </m:r>
+                      <m:d>
+                        <m:dPr>
+                          <m:ctrlPr>
+                            <a:rPr lang="es-CO" sz="1050" b="0" i="1" smtClean="0">
+                              <a:latin typeface="Cambria Math" panose="02040503050406030204" pitchFamily="18" charset="0"/>
+                            </a:rPr>
+                          </m:ctrlPr>
+                        </m:dPr>
+                        <m:e>
+                          <m:r>
+                            <a:rPr lang="es-CO" sz="1050" b="0" i="1" smtClean="0">
+                              <a:latin typeface="Cambria Math" panose="02040503050406030204" pitchFamily="18" charset="0"/>
+                            </a:rPr>
+                            <m:t>0,6°</m:t>
+                          </m:r>
+                          <m:r>
+                            <a:rPr lang="es-CO" sz="1050" b="0" i="1" smtClean="0">
+                              <a:latin typeface="Cambria Math" panose="02040503050406030204" pitchFamily="18" charset="0"/>
+                            </a:rPr>
+                            <m:t>𝐶𝑚</m:t>
+                          </m:r>
+                          <m:r>
+                            <a:rPr lang="es-CO" sz="1050" b="0" i="1" smtClean="0">
+                              <a:latin typeface="Cambria Math" panose="02040503050406030204" pitchFamily="18" charset="0"/>
+                            </a:rPr>
+                            <m:t>/</m:t>
+                          </m:r>
+                          <m:r>
+                            <a:rPr lang="es-CO" sz="1050" b="0" i="1" smtClean="0">
+                              <a:latin typeface="Cambria Math" panose="02040503050406030204" pitchFamily="18" charset="0"/>
+                            </a:rPr>
+                            <m:t>𝑠</m:t>
+                          </m:r>
+                        </m:e>
+                      </m:d>
+                      <m:r>
+                        <a:rPr lang="es-CO" sz="1050" b="0" i="1" smtClean="0">
+                          <a:latin typeface="Cambria Math" panose="02040503050406030204" pitchFamily="18" charset="0"/>
+                        </a:rPr>
+                        <m:t>𝑇</m:t>
+                      </m:r>
+                    </m:oMath>
+                  </m:oMathPara>
+                </a14:m>
+                <a:endParaRPr lang="es-CO" sz="1050" dirty="0"/>
+              </a:p>
+            </p:txBody>
+          </p:sp>
+        </mc:Choice>
+        <mc:Fallback>
+          <p:sp>
+            <p:nvSpPr>
+              <p:cNvPr id="150" name="82 CuadroTexto"/>
+              <p:cNvSpPr txBox="1">
+                <a:spLocks noRot="1" noChangeAspect="1" noMove="1" noResize="1" noEditPoints="1" noAdjustHandles="1" noChangeArrowheads="1" noChangeShapeType="1" noTextEdit="1"/>
+              </p:cNvSpPr>
+              <p:nvPr/>
+            </p:nvSpPr>
+            <p:spPr>
+              <a:xfrm>
+                <a:off x="452841" y="6135762"/>
+                <a:ext cx="1851513" cy="415498"/>
+              </a:xfrm>
+              <a:prstGeom prst="rect">
+                <a:avLst/>
+              </a:prstGeom>
+              <a:blipFill>
+                <a:blip r:embed="rId4"/>
+                <a:stretch>
+                  <a:fillRect b="-1429"/>
+                </a:stretch>
+              </a:blipFill>
+              <a:ln>
+                <a:solidFill>
+                  <a:schemeClr val="tx1"/>
+                </a:solidFill>
+              </a:ln>
+            </p:spPr>
+            <p:txBody>
+              <a:bodyPr/>
+              <a:lstStyle/>
+              <a:p>
+                <a:r>
+                  <a:rPr lang="es-CO">
+                    <a:noFill/>
+                  </a:rPr>
+                  <a:t> </a:t>
+                </a:r>
+              </a:p>
+            </p:txBody>
+          </p:sp>
+        </mc:Fallback>
+      </mc:AlternateContent>
+      <p:sp>
+        <p:nvSpPr>
+          <p:cNvPr id="113" name="Rectángulo 112"/>
+          <p:cNvSpPr/>
+          <p:nvPr/>
+        </p:nvSpPr>
+        <p:spPr>
+          <a:xfrm>
+            <a:off x="4785788" y="3691325"/>
+            <a:ext cx="1305165" cy="253916"/>
+          </a:xfrm>
+          <a:prstGeom prst="rect">
+            <a:avLst/>
+          </a:prstGeom>
+          <a:solidFill>
+            <a:schemeClr val="accent2"/>
+          </a:solidFill>
+          <a:ln>
+            <a:solidFill>
+              <a:schemeClr val="tx1"/>
+            </a:solidFill>
+          </a:ln>
+        </p:spPr>
+        <p:txBody>
+          <a:bodyPr wrap="square" rtlCol="0">
+            <a:spAutoFit/>
+          </a:bodyPr>
+          <a:lstStyle/>
+          <a:p>
+            <a:pPr algn="ctr"/>
+            <a:r>
+              <a:rPr lang="es-CO" sz="1050" b="1" dirty="0"/>
+              <a:t>efecto Doppler</a:t>
+            </a:r>
+          </a:p>
+        </p:txBody>
+      </p:sp>
+      <p:sp>
+        <p:nvSpPr>
+          <p:cNvPr id="158" name="148 CuadroTexto"/>
+          <p:cNvSpPr txBox="1"/>
+          <p:nvPr/>
+        </p:nvSpPr>
+        <p:spPr>
+          <a:xfrm>
+            <a:off x="4966806" y="4066878"/>
+            <a:ext cx="1029659" cy="415498"/>
+          </a:xfrm>
+          <a:prstGeom prst="rect">
+            <a:avLst/>
+          </a:prstGeom>
+          <a:solidFill>
+            <a:schemeClr val="accent2"/>
+          </a:solidFill>
+        </p:spPr>
+        <p:txBody>
+          <a:bodyPr wrap="square" rtlCol="0">
+            <a:spAutoFit/>
+          </a:bodyPr>
+          <a:lstStyle/>
+          <a:p>
+            <a:pPr algn="ctr"/>
+            <a:r>
+              <a:rPr lang="es-CO" sz="1050" dirty="0"/>
+              <a:t>dado por al ecuación</a:t>
+            </a:r>
+          </a:p>
+        </p:txBody>
+      </p:sp>
+      <p:cxnSp>
+        <p:nvCxnSpPr>
+          <p:cNvPr id="121" name="Conector: angular 120"/>
+          <p:cNvCxnSpPr>
+            <a:stCxn id="113" idx="2"/>
+            <a:endCxn id="158" idx="0"/>
+          </p:cNvCxnSpPr>
+          <p:nvPr/>
+        </p:nvCxnSpPr>
+        <p:spPr>
+          <a:xfrm rot="16200000" flipH="1">
+            <a:off x="5399185" y="3984426"/>
+            <a:ext cx="121637" cy="43265"/>
+          </a:xfrm>
+          <a:prstGeom prst="bentConnector3">
+            <a:avLst/>
+          </a:prstGeom>
+          <a:ln>
+            <a:solidFill>
+              <a:schemeClr val="tx1"/>
+            </a:solidFill>
+            <a:tailEnd type="triangle"/>
+          </a:ln>
+        </p:spPr>
+        <p:style>
+          <a:lnRef idx="1">
+            <a:schemeClr val="accent1"/>
+          </a:lnRef>
+          <a:fillRef idx="0">
+            <a:schemeClr val="accent1"/>
+          </a:fillRef>
+          <a:effectRef idx="0">
+            <a:schemeClr val="accent1"/>
+          </a:effectRef>
+          <a:fontRef idx="minor">
+            <a:schemeClr val="tx1"/>
+          </a:fontRef>
+        </p:style>
+      </p:cxnSp>
+      <p:pic>
+        <p:nvPicPr>
+          <p:cNvPr id="122" name="Imagen 121"/>
+          <p:cNvPicPr>
+            <a:picLocks noChangeAspect="1"/>
+          </p:cNvPicPr>
+          <p:nvPr/>
+        </p:nvPicPr>
+        <p:blipFill>
+          <a:blip r:embed="rId5"/>
+          <a:stretch>
+            <a:fillRect/>
+          </a:stretch>
+        </p:blipFill>
+        <p:spPr>
+          <a:xfrm>
+            <a:off x="5016278" y="4745781"/>
+            <a:ext cx="1266825" cy="504825"/>
+          </a:xfrm>
+          <a:prstGeom prst="rect">
+            <a:avLst/>
+          </a:prstGeom>
+          <a:solidFill>
+            <a:schemeClr val="accent2"/>
+          </a:solidFill>
+          <a:ln>
+            <a:solidFill>
+              <a:schemeClr val="tx1"/>
+            </a:solidFill>
+          </a:ln>
+        </p:spPr>
+      </p:pic>
+      <p:cxnSp>
+        <p:nvCxnSpPr>
+          <p:cNvPr id="124" name="Conector: angular 123"/>
+          <p:cNvCxnSpPr>
+            <a:stCxn id="158" idx="2"/>
+            <a:endCxn id="122" idx="0"/>
+          </p:cNvCxnSpPr>
+          <p:nvPr/>
+        </p:nvCxnSpPr>
+        <p:spPr>
+          <a:xfrm rot="16200000" flipH="1">
+            <a:off x="5433961" y="4530050"/>
+            <a:ext cx="263405" cy="168055"/>
+          </a:xfrm>
+          <a:prstGeom prst="bentConnector3">
+            <a:avLst/>
+          </a:prstGeom>
+          <a:ln>
+            <a:solidFill>
+              <a:schemeClr val="tx1"/>
+            </a:solidFill>
+            <a:tailEnd type="triangle"/>
+          </a:ln>
+        </p:spPr>
+        <p:style>
+          <a:lnRef idx="1">
+            <a:schemeClr val="accent1"/>
+          </a:lnRef>
+          <a:fillRef idx="0">
+            <a:schemeClr val="accent1"/>
+          </a:fillRef>
+          <a:effectRef idx="0">
+            <a:schemeClr val="accent1"/>
+          </a:effectRef>
+          <a:fontRef idx="minor">
+            <a:schemeClr val="tx1"/>
+          </a:fontRef>
+        </p:style>
+      </p:cxnSp>
+      <p:cxnSp>
+        <p:nvCxnSpPr>
+          <p:cNvPr id="166" name="294 Conector angular"/>
+          <p:cNvCxnSpPr>
+            <a:stCxn id="149" idx="2"/>
+            <a:endCxn id="113" idx="1"/>
+          </p:cNvCxnSpPr>
+          <p:nvPr/>
+        </p:nvCxnSpPr>
+        <p:spPr>
+          <a:xfrm rot="5400000">
+            <a:off x="4594305" y="3344819"/>
+            <a:ext cx="664947" cy="281980"/>
+          </a:xfrm>
+          <a:prstGeom prst="bentConnector4">
+            <a:avLst>
+              <a:gd name="adj1" fmla="val 15450"/>
+              <a:gd name="adj2" fmla="val 200723"/>
+            </a:avLst>
+          </a:prstGeom>
+          <a:ln>
+            <a:solidFill>
+              <a:schemeClr val="tx1"/>
+            </a:solidFill>
+            <a:tailEnd type="arrow"/>
+          </a:ln>
+        </p:spPr>
+        <p:style>
+          <a:lnRef idx="1">
+            <a:schemeClr val="accent1"/>
+          </a:lnRef>
+          <a:fillRef idx="0">
+            <a:schemeClr val="accent1"/>
+          </a:fillRef>
+          <a:effectRef idx="0">
+            <a:schemeClr val="accent1"/>
+          </a:effectRef>
+          <a:fontRef idx="minor">
+            <a:schemeClr val="tx1"/>
+          </a:fontRef>
+        </p:style>
+      </p:cxnSp>
+      <p:sp>
+        <p:nvSpPr>
+          <p:cNvPr id="186" name="148 CuadroTexto"/>
+          <p:cNvSpPr txBox="1"/>
+          <p:nvPr/>
+        </p:nvSpPr>
+        <p:spPr>
+          <a:xfrm>
+            <a:off x="2685270" y="3551325"/>
+            <a:ext cx="1065013" cy="253916"/>
+          </a:xfrm>
+          <a:prstGeom prst="rect">
+            <a:avLst/>
+          </a:prstGeom>
+          <a:solidFill>
+            <a:schemeClr val="accent2"/>
+          </a:solidFill>
+        </p:spPr>
+        <p:txBody>
+          <a:bodyPr wrap="square" rtlCol="0">
+            <a:spAutoFit/>
+          </a:bodyPr>
+          <a:lstStyle/>
+          <a:p>
+            <a:pPr algn="ctr"/>
+            <a:r>
+              <a:rPr lang="es-CO" sz="1050" dirty="0"/>
+              <a:t>depende de la </a:t>
+            </a:r>
+          </a:p>
+        </p:txBody>
+      </p:sp>
+      <p:cxnSp>
+        <p:nvCxnSpPr>
+          <p:cNvPr id="187" name="294 Conector angular"/>
+          <p:cNvCxnSpPr>
+            <a:stCxn id="107" idx="2"/>
+          </p:cNvCxnSpPr>
+          <p:nvPr/>
+        </p:nvCxnSpPr>
+        <p:spPr>
+          <a:xfrm rot="16200000" flipH="1">
+            <a:off x="3106166" y="3543653"/>
+            <a:ext cx="239939" cy="15375"/>
+          </a:xfrm>
+          <a:prstGeom prst="bentConnector3">
+            <a:avLst>
+              <a:gd name="adj1" fmla="val 50000"/>
+            </a:avLst>
+          </a:prstGeom>
+          <a:ln>
+            <a:solidFill>
+              <a:schemeClr val="tx1"/>
+            </a:solidFill>
+            <a:tailEnd type="arrow"/>
+          </a:ln>
+        </p:spPr>
+        <p:style>
+          <a:lnRef idx="1">
+            <a:schemeClr val="accent1"/>
+          </a:lnRef>
+          <a:fillRef idx="0">
+            <a:schemeClr val="accent1"/>
+          </a:fillRef>
+          <a:effectRef idx="0">
+            <a:schemeClr val="accent1"/>
+          </a:effectRef>
+          <a:fontRef idx="minor">
+            <a:schemeClr val="tx1"/>
+          </a:fontRef>
+        </p:style>
+      </p:cxnSp>
+      <p:sp>
+        <p:nvSpPr>
+          <p:cNvPr id="194" name="107 CuadroTexto"/>
+          <p:cNvSpPr txBox="1"/>
+          <p:nvPr/>
+        </p:nvSpPr>
+        <p:spPr>
+          <a:xfrm>
+            <a:off x="2741003" y="4064091"/>
+            <a:ext cx="970263" cy="253916"/>
+          </a:xfrm>
+          <a:prstGeom prst="rect">
+            <a:avLst/>
+          </a:prstGeom>
+          <a:solidFill>
+            <a:schemeClr val="accent2"/>
+          </a:solidFill>
+          <a:ln>
+            <a:solidFill>
+              <a:schemeClr val="tx1"/>
+            </a:solidFill>
+          </a:ln>
+        </p:spPr>
+        <p:txBody>
+          <a:bodyPr wrap="square" rtlCol="0">
+            <a:spAutoFit/>
+          </a:bodyPr>
+          <a:lstStyle/>
+          <a:p>
+            <a:pPr algn="ctr"/>
+            <a:r>
+              <a:rPr lang="es-CO" sz="1050" dirty="0"/>
+              <a:t>amplitud</a:t>
+            </a:r>
+          </a:p>
+        </p:txBody>
+      </p:sp>
+      <p:sp>
+        <p:nvSpPr>
+          <p:cNvPr id="201" name="107 CuadroTexto"/>
+          <p:cNvSpPr txBox="1"/>
+          <p:nvPr/>
+        </p:nvSpPr>
+        <p:spPr>
+          <a:xfrm>
+            <a:off x="3740728" y="4017206"/>
+            <a:ext cx="970263" cy="415498"/>
+          </a:xfrm>
+          <a:prstGeom prst="rect">
+            <a:avLst/>
+          </a:prstGeom>
+          <a:solidFill>
+            <a:schemeClr val="accent2"/>
+          </a:solidFill>
+          <a:ln>
+            <a:solidFill>
+              <a:schemeClr val="tx1"/>
+            </a:solidFill>
+          </a:ln>
+        </p:spPr>
+        <p:txBody>
+          <a:bodyPr wrap="square" rtlCol="0">
+            <a:spAutoFit/>
+          </a:bodyPr>
+          <a:lstStyle/>
+          <a:p>
+            <a:pPr algn="ctr"/>
+            <a:r>
+              <a:rPr lang="es-CO" sz="1050" dirty="0"/>
+              <a:t>La percepción del oído </a:t>
+            </a:r>
+          </a:p>
+        </p:txBody>
+      </p:sp>
+      <p:pic>
+        <p:nvPicPr>
+          <p:cNvPr id="174" name="Imagen 173"/>
+          <p:cNvPicPr>
+            <a:picLocks noChangeAspect="1"/>
+          </p:cNvPicPr>
+          <p:nvPr/>
+        </p:nvPicPr>
+        <p:blipFill>
+          <a:blip r:embed="rId6">
+            <a:extLst>
+              <a:ext uri="{28A0092B-C50C-407E-A947-70E740481C1C}">
+                <a14:useLocalDpi xmlns:a14="http://schemas.microsoft.com/office/drawing/2010/main" val="0"/>
+              </a:ext>
+            </a:extLst>
+          </a:blip>
+          <a:stretch>
+            <a:fillRect/>
+          </a:stretch>
+        </p:blipFill>
+        <p:spPr>
+          <a:xfrm>
+            <a:off x="2803737" y="4835090"/>
+            <a:ext cx="600075" cy="476250"/>
+          </a:xfrm>
+          <a:prstGeom prst="rect">
+            <a:avLst/>
+          </a:prstGeom>
+          <a:solidFill>
+            <a:schemeClr val="accent2"/>
+          </a:solidFill>
+          <a:ln>
+            <a:solidFill>
+              <a:schemeClr val="tx1"/>
+            </a:solidFill>
+          </a:ln>
+        </p:spPr>
+      </p:pic>
+      <p:cxnSp>
+        <p:nvCxnSpPr>
+          <p:cNvPr id="204" name="294 Conector angular"/>
+          <p:cNvCxnSpPr/>
+          <p:nvPr/>
+        </p:nvCxnSpPr>
+        <p:spPr>
+          <a:xfrm rot="16200000" flipH="1">
+            <a:off x="3092531" y="3930487"/>
+            <a:ext cx="258850" cy="8358"/>
+          </a:xfrm>
+          <a:prstGeom prst="bentConnector3">
+            <a:avLst>
+              <a:gd name="adj1" fmla="val 50000"/>
+            </a:avLst>
+          </a:prstGeom>
+          <a:ln>
+            <a:solidFill>
+              <a:schemeClr val="tx1"/>
+            </a:solidFill>
+            <a:tailEnd type="arrow"/>
+          </a:ln>
+        </p:spPr>
+        <p:style>
+          <a:lnRef idx="1">
+            <a:schemeClr val="accent1"/>
+          </a:lnRef>
+          <a:fillRef idx="0">
+            <a:schemeClr val="accent1"/>
+          </a:fillRef>
+          <a:effectRef idx="0">
+            <a:schemeClr val="accent1"/>
+          </a:effectRef>
+          <a:fontRef idx="minor">
+            <a:schemeClr val="tx1"/>
+          </a:fontRef>
+        </p:style>
+      </p:cxnSp>
+      <p:cxnSp>
+        <p:nvCxnSpPr>
+          <p:cNvPr id="205" name="294 Conector angular"/>
+          <p:cNvCxnSpPr>
+            <a:stCxn id="186" idx="3"/>
+            <a:endCxn id="201" idx="0"/>
+          </p:cNvCxnSpPr>
+          <p:nvPr/>
+        </p:nvCxnSpPr>
+        <p:spPr>
+          <a:xfrm>
+            <a:off x="3750283" y="3678283"/>
+            <a:ext cx="475577" cy="338923"/>
+          </a:xfrm>
+          <a:prstGeom prst="bentConnector2">
+            <a:avLst/>
+          </a:prstGeom>
+          <a:ln>
+            <a:solidFill>
+              <a:schemeClr val="tx1"/>
+            </a:solidFill>
+            <a:tailEnd type="arrow"/>
+          </a:ln>
+        </p:spPr>
+        <p:style>
+          <a:lnRef idx="1">
+            <a:schemeClr val="accent1"/>
+          </a:lnRef>
+          <a:fillRef idx="0">
+            <a:schemeClr val="accent1"/>
+          </a:fillRef>
+          <a:effectRef idx="0">
+            <a:schemeClr val="accent1"/>
+          </a:effectRef>
+          <a:fontRef idx="minor">
+            <a:schemeClr val="tx1"/>
+          </a:fontRef>
+        </p:style>
+      </p:cxnSp>
+      <p:cxnSp>
+        <p:nvCxnSpPr>
+          <p:cNvPr id="208" name="294 Conector angular"/>
+          <p:cNvCxnSpPr/>
+          <p:nvPr/>
+        </p:nvCxnSpPr>
+        <p:spPr>
+          <a:xfrm rot="5400000">
+            <a:off x="4057935" y="4571409"/>
+            <a:ext cx="306628" cy="29219"/>
+          </a:xfrm>
+          <a:prstGeom prst="bentConnector3">
+            <a:avLst>
+              <a:gd name="adj1" fmla="val 50000"/>
+            </a:avLst>
+          </a:prstGeom>
+          <a:ln>
+            <a:solidFill>
+              <a:schemeClr val="tx1"/>
+            </a:solidFill>
+            <a:tailEnd type="arrow"/>
+          </a:ln>
+        </p:spPr>
+        <p:style>
+          <a:lnRef idx="1">
+            <a:schemeClr val="accent1"/>
+          </a:lnRef>
+          <a:fillRef idx="0">
+            <a:schemeClr val="accent1"/>
+          </a:fillRef>
+          <a:effectRef idx="0">
+            <a:schemeClr val="accent1"/>
+          </a:effectRef>
+          <a:fontRef idx="minor">
+            <a:schemeClr val="tx1"/>
+          </a:fontRef>
+        </p:style>
+      </p:cxnSp>
+      <p:pic>
+        <p:nvPicPr>
+          <p:cNvPr id="192" name="Imagen 191"/>
+          <p:cNvPicPr>
+            <a:picLocks noChangeAspect="1"/>
+          </p:cNvPicPr>
+          <p:nvPr/>
+        </p:nvPicPr>
+        <p:blipFill>
+          <a:blip r:embed="rId7">
+            <a:extLst>
+              <a:ext uri="{28A0092B-C50C-407E-A947-70E740481C1C}">
+                <a14:useLocalDpi xmlns:a14="http://schemas.microsoft.com/office/drawing/2010/main" val="0"/>
+              </a:ext>
+            </a:extLst>
+          </a:blip>
+          <a:stretch>
+            <a:fillRect/>
+          </a:stretch>
+        </p:blipFill>
+        <p:spPr>
+          <a:xfrm>
+            <a:off x="3682291" y="4739332"/>
+            <a:ext cx="1028700" cy="504825"/>
+          </a:xfrm>
+          <a:prstGeom prst="rect">
+            <a:avLst/>
+          </a:prstGeom>
+          <a:solidFill>
+            <a:schemeClr val="accent2"/>
+          </a:solidFill>
+          <a:ln>
+            <a:solidFill>
+              <a:schemeClr val="tx1"/>
+            </a:solidFill>
+          </a:ln>
+        </p:spPr>
+      </p:pic>
+      <p:pic>
+        <p:nvPicPr>
+          <p:cNvPr id="197" name="Imagen 196"/>
+          <p:cNvPicPr>
+            <a:picLocks noChangeAspect="1"/>
+          </p:cNvPicPr>
+          <p:nvPr/>
+        </p:nvPicPr>
+        <p:blipFill>
+          <a:blip r:embed="rId7">
+            <a:extLst>
+              <a:ext uri="{28A0092B-C50C-407E-A947-70E740481C1C}">
+                <a14:useLocalDpi xmlns:a14="http://schemas.microsoft.com/office/drawing/2010/main" val="0"/>
+              </a:ext>
+            </a:extLst>
+          </a:blip>
+          <a:stretch>
+            <a:fillRect/>
+          </a:stretch>
+        </p:blipFill>
+        <p:spPr>
+          <a:xfrm>
+            <a:off x="6686550" y="3367087"/>
+            <a:ext cx="1028700" cy="504825"/>
+          </a:xfrm>
+          <a:prstGeom prst="rect">
+            <a:avLst/>
+          </a:prstGeom>
+        </p:spPr>
+      </p:pic>
+      <p:cxnSp>
+        <p:nvCxnSpPr>
+          <p:cNvPr id="226" name="294 Conector angular"/>
+          <p:cNvCxnSpPr>
+            <a:stCxn id="194" idx="2"/>
+            <a:endCxn id="174" idx="0"/>
+          </p:cNvCxnSpPr>
+          <p:nvPr/>
+        </p:nvCxnSpPr>
+        <p:spPr>
+          <a:xfrm rot="5400000">
+            <a:off x="2906414" y="4515368"/>
+            <a:ext cx="517083" cy="122360"/>
+          </a:xfrm>
+          <a:prstGeom prst="bentConnector3">
+            <a:avLst>
+              <a:gd name="adj1" fmla="val 50000"/>
+            </a:avLst>
+          </a:prstGeom>
+          <a:ln>
+            <a:solidFill>
+              <a:schemeClr val="tx1"/>
+            </a:solidFill>
+            <a:tailEnd type="arrow"/>
+          </a:ln>
+        </p:spPr>
+        <p:style>
+          <a:lnRef idx="1">
+            <a:schemeClr val="accent1"/>
+          </a:lnRef>
+          <a:fillRef idx="0">
+            <a:schemeClr val="accent1"/>
+          </a:fillRef>
+          <a:effectRef idx="0">
+            <a:schemeClr val="accent1"/>
+          </a:effectRef>
+          <a:fontRef idx="minor">
+            <a:schemeClr val="tx1"/>
+          </a:fontRef>
+        </p:style>
+      </p:cxnSp>
+      <p:sp>
+        <p:nvSpPr>
+          <p:cNvPr id="229" name="148 CuadroTexto"/>
+          <p:cNvSpPr txBox="1"/>
+          <p:nvPr/>
+        </p:nvSpPr>
+        <p:spPr>
+          <a:xfrm>
+            <a:off x="2762169" y="5864365"/>
+            <a:ext cx="1065013" cy="253916"/>
+          </a:xfrm>
+          <a:prstGeom prst="rect">
+            <a:avLst/>
+          </a:prstGeom>
+          <a:solidFill>
+            <a:schemeClr val="accent2"/>
+          </a:solidFill>
+        </p:spPr>
+        <p:txBody>
+          <a:bodyPr wrap="square" rtlCol="0">
+            <a:spAutoFit/>
+          </a:bodyPr>
+          <a:lstStyle/>
+          <a:p>
+            <a:pPr algn="ctr"/>
+            <a:r>
+              <a:rPr lang="es-CO" sz="1050" dirty="0"/>
+              <a:t>depende de la </a:t>
+            </a:r>
+          </a:p>
+        </p:txBody>
+      </p:sp>
+      <p:sp>
+        <p:nvSpPr>
+          <p:cNvPr id="230" name="107 CuadroTexto"/>
+          <p:cNvSpPr txBox="1"/>
+          <p:nvPr/>
+        </p:nvSpPr>
+        <p:spPr>
+          <a:xfrm>
+            <a:off x="4068060" y="5863614"/>
+            <a:ext cx="970263" cy="253916"/>
+          </a:xfrm>
+          <a:prstGeom prst="rect">
+            <a:avLst/>
+          </a:prstGeom>
+          <a:solidFill>
+            <a:schemeClr val="accent2"/>
+          </a:solidFill>
+          <a:ln>
+            <a:solidFill>
+              <a:schemeClr val="tx1"/>
+            </a:solidFill>
+          </a:ln>
+        </p:spPr>
+        <p:txBody>
+          <a:bodyPr wrap="square" rtlCol="0">
+            <a:spAutoFit/>
+          </a:bodyPr>
+          <a:lstStyle/>
+          <a:p>
+            <a:pPr algn="ctr"/>
+            <a:r>
+              <a:rPr lang="es-CO" sz="1050" dirty="0"/>
+              <a:t>frecuencia</a:t>
+            </a:r>
+          </a:p>
+        </p:txBody>
+      </p:sp>
+      <p:cxnSp>
+        <p:nvCxnSpPr>
+          <p:cNvPr id="231" name="294 Conector angular"/>
+          <p:cNvCxnSpPr>
+            <a:stCxn id="108" idx="2"/>
+            <a:endCxn id="229" idx="0"/>
+          </p:cNvCxnSpPr>
+          <p:nvPr/>
+        </p:nvCxnSpPr>
+        <p:spPr>
+          <a:xfrm rot="16200000" flipH="1">
+            <a:off x="3227961" y="5797649"/>
+            <a:ext cx="94351" cy="39079"/>
+          </a:xfrm>
+          <a:prstGeom prst="bentConnector3">
+            <a:avLst>
+              <a:gd name="adj1" fmla="val 50000"/>
+            </a:avLst>
+          </a:prstGeom>
+          <a:ln>
+            <a:solidFill>
+              <a:schemeClr val="tx1"/>
+            </a:solidFill>
+            <a:tailEnd type="arrow"/>
+          </a:ln>
+        </p:spPr>
+        <p:style>
+          <a:lnRef idx="1">
+            <a:schemeClr val="accent1"/>
+          </a:lnRef>
+          <a:fillRef idx="0">
+            <a:schemeClr val="accent1"/>
+          </a:fillRef>
+          <a:effectRef idx="0">
+            <a:schemeClr val="accent1"/>
+          </a:effectRef>
+          <a:fontRef idx="minor">
+            <a:schemeClr val="tx1"/>
+          </a:fontRef>
+        </p:style>
+      </p:cxnSp>
+      <p:cxnSp>
+        <p:nvCxnSpPr>
+          <p:cNvPr id="234" name="294 Conector angular"/>
+          <p:cNvCxnSpPr>
+            <a:stCxn id="229" idx="3"/>
+            <a:endCxn id="230" idx="1"/>
+          </p:cNvCxnSpPr>
+          <p:nvPr/>
+        </p:nvCxnSpPr>
+        <p:spPr>
+          <a:xfrm flipV="1">
+            <a:off x="3827182" y="5990572"/>
+            <a:ext cx="240878" cy="751"/>
+          </a:xfrm>
+          <a:prstGeom prst="bentConnector3">
+            <a:avLst>
+              <a:gd name="adj1" fmla="val 50000"/>
+            </a:avLst>
+          </a:prstGeom>
+          <a:ln>
+            <a:solidFill>
+              <a:schemeClr val="tx1"/>
+            </a:solidFill>
+            <a:tailEnd type="arrow"/>
+          </a:ln>
+        </p:spPr>
+        <p:style>
+          <a:lnRef idx="1">
+            <a:schemeClr val="accent1"/>
+          </a:lnRef>
+          <a:fillRef idx="0">
+            <a:schemeClr val="accent1"/>
+          </a:fillRef>
+          <a:effectRef idx="0">
+            <a:schemeClr val="accent1"/>
+          </a:effectRef>
+          <a:fontRef idx="minor">
+            <a:schemeClr val="tx1"/>
+          </a:fontRef>
+        </p:style>
+      </p:cxnSp>
+      <p:sp>
+        <p:nvSpPr>
+          <p:cNvPr id="237" name="148 CuadroTexto"/>
+          <p:cNvSpPr txBox="1"/>
+          <p:nvPr/>
+        </p:nvSpPr>
+        <p:spPr>
+          <a:xfrm>
+            <a:off x="2871305" y="6817569"/>
+            <a:ext cx="1065013" cy="253916"/>
+          </a:xfrm>
+          <a:prstGeom prst="rect">
+            <a:avLst/>
+          </a:prstGeom>
+          <a:solidFill>
+            <a:schemeClr val="accent2"/>
+          </a:solidFill>
+        </p:spPr>
+        <p:txBody>
+          <a:bodyPr wrap="square" rtlCol="0">
+            <a:spAutoFit/>
+          </a:bodyPr>
+          <a:lstStyle/>
+          <a:p>
+            <a:pPr algn="ctr"/>
+            <a:r>
+              <a:rPr lang="es-CO" sz="1050" dirty="0"/>
+              <a:t>depende de los </a:t>
+            </a:r>
+          </a:p>
+        </p:txBody>
+      </p:sp>
+      <p:cxnSp>
+        <p:nvCxnSpPr>
+          <p:cNvPr id="238" name="294 Conector angular"/>
+          <p:cNvCxnSpPr>
+            <a:stCxn id="237" idx="3"/>
+            <a:endCxn id="239" idx="1"/>
+          </p:cNvCxnSpPr>
+          <p:nvPr/>
+        </p:nvCxnSpPr>
+        <p:spPr>
+          <a:xfrm flipV="1">
+            <a:off x="3936318" y="6911622"/>
+            <a:ext cx="254446" cy="32905"/>
+          </a:xfrm>
+          <a:prstGeom prst="bentConnector3">
+            <a:avLst>
+              <a:gd name="adj1" fmla="val 50000"/>
+            </a:avLst>
+          </a:prstGeom>
+          <a:ln>
+            <a:solidFill>
+              <a:schemeClr val="tx1"/>
+            </a:solidFill>
+            <a:tailEnd type="arrow"/>
+          </a:ln>
+        </p:spPr>
+        <p:style>
+          <a:lnRef idx="1">
+            <a:schemeClr val="accent1"/>
+          </a:lnRef>
+          <a:fillRef idx="0">
+            <a:schemeClr val="accent1"/>
+          </a:fillRef>
+          <a:effectRef idx="0">
+            <a:schemeClr val="accent1"/>
+          </a:effectRef>
+          <a:fontRef idx="minor">
+            <a:schemeClr val="tx1"/>
+          </a:fontRef>
+        </p:style>
+      </p:cxnSp>
+      <p:sp>
+        <p:nvSpPr>
+          <p:cNvPr id="239" name="107 CuadroTexto"/>
+          <p:cNvSpPr txBox="1"/>
+          <p:nvPr/>
+        </p:nvSpPr>
+        <p:spPr>
+          <a:xfrm>
+            <a:off x="4190764" y="6784664"/>
+            <a:ext cx="970263" cy="253916"/>
+          </a:xfrm>
+          <a:prstGeom prst="rect">
+            <a:avLst/>
+          </a:prstGeom>
+          <a:solidFill>
+            <a:schemeClr val="accent2"/>
+          </a:solidFill>
+          <a:ln>
+            <a:solidFill>
+              <a:schemeClr val="tx1"/>
+            </a:solidFill>
+          </a:ln>
+        </p:spPr>
+        <p:txBody>
+          <a:bodyPr wrap="square" rtlCol="0">
+            <a:spAutoFit/>
+          </a:bodyPr>
+          <a:lstStyle/>
+          <a:p>
+            <a:pPr algn="ctr"/>
+            <a:r>
+              <a:rPr lang="es-CO" sz="1050" dirty="0"/>
+              <a:t>armónicos</a:t>
+            </a:r>
+          </a:p>
+        </p:txBody>
+      </p:sp>
+      <p:cxnSp>
+        <p:nvCxnSpPr>
+          <p:cNvPr id="243" name="294 Conector angular"/>
+          <p:cNvCxnSpPr>
+            <a:stCxn id="109" idx="2"/>
+            <a:endCxn id="237" idx="1"/>
+          </p:cNvCxnSpPr>
+          <p:nvPr/>
+        </p:nvCxnSpPr>
+        <p:spPr>
+          <a:xfrm rot="5400000">
+            <a:off x="2968763" y="6600821"/>
+            <a:ext cx="246249" cy="441163"/>
+          </a:xfrm>
+          <a:prstGeom prst="bentConnector4">
+            <a:avLst>
+              <a:gd name="adj1" fmla="val 24221"/>
+              <a:gd name="adj2" fmla="val 151818"/>
+            </a:avLst>
+          </a:prstGeom>
+          <a:ln>
+            <a:solidFill>
+              <a:schemeClr val="tx1"/>
+            </a:solidFill>
+            <a:tailEnd type="arrow"/>
+          </a:ln>
+        </p:spPr>
+        <p:style>
+          <a:lnRef idx="1">
+            <a:schemeClr val="accent1"/>
+          </a:lnRef>
+          <a:fillRef idx="0">
+            <a:schemeClr val="accent1"/>
+          </a:fillRef>
+          <a:effectRef idx="0">
+            <a:schemeClr val="accent1"/>
+          </a:effectRef>
+          <a:fontRef idx="minor">
+            <a:schemeClr val="tx1"/>
+          </a:fontRef>
+        </p:style>
+      </p:cxnSp>
+      <p:sp>
+        <p:nvSpPr>
+          <p:cNvPr id="249" name="103 CuadroTexto"/>
+          <p:cNvSpPr txBox="1"/>
+          <p:nvPr/>
+        </p:nvSpPr>
+        <p:spPr>
+          <a:xfrm>
+            <a:off x="4960783" y="1445986"/>
+            <a:ext cx="702288" cy="253916"/>
+          </a:xfrm>
+          <a:prstGeom prst="rect">
+            <a:avLst/>
+          </a:prstGeom>
+          <a:solidFill>
+            <a:schemeClr val="accent2"/>
+          </a:solidFill>
+        </p:spPr>
+        <p:txBody>
+          <a:bodyPr wrap="square" rtlCol="0">
+            <a:spAutoFit/>
+          </a:bodyPr>
+          <a:lstStyle/>
+          <a:p>
+            <a:pPr algn="ctr"/>
+            <a:r>
+              <a:rPr lang="es-CO" sz="1050" dirty="0"/>
+              <a:t>sus</a:t>
+            </a:r>
+          </a:p>
+        </p:txBody>
+      </p:sp>
     </p:spTree>
     <p:extLst>
       <p:ext uri="{BB962C8B-B14F-4D97-AF65-F5344CB8AC3E}">
